--- a/obj_detection.pptx
+++ b/obj_detection.pptx
@@ -10,14 +10,14 @@
   <p:sldIdLst>
     <p:sldId id="256" r:id="rId2"/>
     <p:sldId id="259" r:id="rId3"/>
-    <p:sldId id="261" r:id="rId4"/>
-    <p:sldId id="268" r:id="rId5"/>
-    <p:sldId id="267" r:id="rId6"/>
-    <p:sldId id="262" r:id="rId7"/>
-    <p:sldId id="263" r:id="rId8"/>
-    <p:sldId id="264" r:id="rId9"/>
-    <p:sldId id="265" r:id="rId10"/>
-    <p:sldId id="266" r:id="rId11"/>
+    <p:sldId id="270" r:id="rId4"/>
+    <p:sldId id="261" r:id="rId5"/>
+    <p:sldId id="268" r:id="rId6"/>
+    <p:sldId id="267" r:id="rId7"/>
+    <p:sldId id="262" r:id="rId8"/>
+    <p:sldId id="263" r:id="rId9"/>
+    <p:sldId id="264" r:id="rId10"/>
+    <p:sldId id="265" r:id="rId11"/>
     <p:sldId id="258" r:id="rId12"/>
   </p:sldIdLst>
   <p:sldSz cx="9144000" cy="6858000" type="screen4x3"/>
@@ -248,7 +248,7 @@
           <a:p>
             <a:fld id="{BC15CBCB-C829-4509-8CBD-2407EAE6853F}" type="datetimeFigureOut">
               <a:rPr lang="ru-RU" smtClean="0"/>
-              <a:t>15.10.2017</a:t>
+              <a:t>17.10.2017</a:t>
             </a:fld>
             <a:endParaRPr lang="ru-RU"/>
           </a:p>
@@ -561,15 +561,918 @@
           <a:lstStyle/>
           <a:p>
             <a:r>
-              <a:rPr lang="en-US" dirty="0" smtClean="0"/>
-              <a:t>https://pjreddie.com/darknet/yolo/</a:t>
-            </a:r>
-          </a:p>
-          <a:p>
-            <a:r>
-              <a:rPr lang="en-US" dirty="0" smtClean="0"/>
-              <a:t>https://arxiv.org/pdf/1612.08242.pdf</a:t>
-            </a:r>
+              <a:rPr lang="ru-RU" sz="1200" b="0" i="0" kern="1200" dirty="0" smtClean="0">
+                <a:solidFill>
+                  <a:schemeClr val="tx1"/>
+                </a:solidFill>
+                <a:effectLst/>
+                <a:latin typeface="+mn-lt"/>
+                <a:ea typeface="+mn-ea"/>
+                <a:cs typeface="+mn-cs"/>
+              </a:rPr>
+              <a:t>1. RCNN — самая старая из моделей. Рассматриваются гипотезы о местоположении объекта (</a:t>
+            </a:r>
+            <a:r>
+              <a:rPr lang="ru-RU" sz="1200" b="0" i="0" kern="1200" dirty="0" err="1" smtClean="0">
+                <a:solidFill>
+                  <a:schemeClr val="tx1"/>
+                </a:solidFill>
+                <a:effectLst/>
+                <a:latin typeface="+mn-lt"/>
+                <a:ea typeface="+mn-ea"/>
+                <a:cs typeface="+mn-cs"/>
+              </a:rPr>
+              <a:t>objectness</a:t>
+            </a:r>
+            <a:r>
+              <a:rPr lang="ru-RU" sz="1200" b="0" i="0" kern="1200" dirty="0" smtClean="0">
+                <a:solidFill>
+                  <a:schemeClr val="tx1"/>
+                </a:solidFill>
+                <a:effectLst/>
+                <a:latin typeface="+mn-lt"/>
+                <a:ea typeface="+mn-ea"/>
+                <a:cs typeface="+mn-cs"/>
+              </a:rPr>
+              <a:t>, </a:t>
+            </a:r>
+            <a:r>
+              <a:rPr lang="ru-RU" sz="1200" b="0" i="0" kern="1200" dirty="0" err="1" smtClean="0">
+                <a:solidFill>
+                  <a:schemeClr val="tx1"/>
+                </a:solidFill>
+                <a:effectLst/>
+                <a:latin typeface="+mn-lt"/>
+                <a:ea typeface="+mn-ea"/>
+                <a:cs typeface="+mn-cs"/>
+              </a:rPr>
+              <a:t>object</a:t>
+            </a:r>
+            <a:r>
+              <a:rPr lang="ru-RU" sz="1200" b="0" i="0" kern="1200" dirty="0" smtClean="0">
+                <a:solidFill>
+                  <a:schemeClr val="tx1"/>
+                </a:solidFill>
+                <a:effectLst/>
+                <a:latin typeface="+mn-lt"/>
+                <a:ea typeface="+mn-ea"/>
+                <a:cs typeface="+mn-cs"/>
+              </a:rPr>
+              <a:t> </a:t>
+            </a:r>
+            <a:r>
+              <a:rPr lang="ru-RU" sz="1200" b="0" i="0" kern="1200" dirty="0" err="1" smtClean="0">
+                <a:solidFill>
+                  <a:schemeClr val="tx1"/>
+                </a:solidFill>
+                <a:effectLst/>
+                <a:latin typeface="+mn-lt"/>
+                <a:ea typeface="+mn-ea"/>
+                <a:cs typeface="+mn-cs"/>
+              </a:rPr>
+              <a:t>proposal</a:t>
+            </a:r>
+            <a:r>
+              <a:rPr lang="ru-RU" sz="1200" b="0" i="0" kern="1200" dirty="0" smtClean="0">
+                <a:solidFill>
+                  <a:schemeClr val="tx1"/>
+                </a:solidFill>
+                <a:effectLst/>
+                <a:latin typeface="+mn-lt"/>
+                <a:ea typeface="+mn-ea"/>
+                <a:cs typeface="+mn-cs"/>
+              </a:rPr>
+              <a:t>), например, </a:t>
+            </a:r>
+            <a:r>
+              <a:rPr lang="ru-RU" sz="1200" b="0" i="0" kern="1200" dirty="0" err="1" smtClean="0">
+                <a:solidFill>
+                  <a:schemeClr val="tx1"/>
+                </a:solidFill>
+                <a:effectLst/>
+                <a:latin typeface="+mn-lt"/>
+                <a:ea typeface="+mn-ea"/>
+                <a:cs typeface="+mn-cs"/>
+              </a:rPr>
+              <a:t>полученые</a:t>
+            </a:r>
+            <a:r>
+              <a:rPr lang="ru-RU" sz="1200" b="0" i="0" kern="1200" dirty="0" smtClean="0">
+                <a:solidFill>
+                  <a:schemeClr val="tx1"/>
+                </a:solidFill>
+                <a:effectLst/>
+                <a:latin typeface="+mn-lt"/>
+                <a:ea typeface="+mn-ea"/>
+                <a:cs typeface="+mn-cs"/>
+              </a:rPr>
+              <a:t> с помощью </a:t>
+            </a:r>
+            <a:r>
+              <a:rPr lang="ru-RU" sz="1200" b="0" i="0" kern="1200" dirty="0" err="1" smtClean="0">
+                <a:solidFill>
+                  <a:schemeClr val="tx1"/>
+                </a:solidFill>
+                <a:effectLst/>
+                <a:latin typeface="+mn-lt"/>
+                <a:ea typeface="+mn-ea"/>
+                <a:cs typeface="+mn-cs"/>
+              </a:rPr>
+              <a:t>SelectiveSearch</a:t>
+            </a:r>
+            <a:r>
+              <a:rPr lang="ru-RU" sz="1200" b="0" i="0" kern="1200" dirty="0" smtClean="0">
+                <a:solidFill>
+                  <a:schemeClr val="tx1"/>
+                </a:solidFill>
+                <a:effectLst/>
+                <a:latin typeface="+mn-lt"/>
+                <a:ea typeface="+mn-ea"/>
+                <a:cs typeface="+mn-cs"/>
+              </a:rPr>
+              <a:t> (алгоритм на основе сегментации). Таких гипотез обычно берут 2000. Вырезаем фрагмент изображения (гипотезу, т.е. прямоугольнике разного размера и с разным соотношением сторон выреза) и </a:t>
+            </a:r>
+            <a:r>
+              <a:rPr lang="ru-RU" sz="1200" b="0" i="0" kern="1200" dirty="0" err="1" smtClean="0">
+                <a:solidFill>
+                  <a:schemeClr val="tx1"/>
+                </a:solidFill>
+                <a:effectLst/>
+                <a:latin typeface="+mn-lt"/>
+                <a:ea typeface="+mn-ea"/>
+                <a:cs typeface="+mn-cs"/>
+              </a:rPr>
+              <a:t>перемасштабируем</a:t>
+            </a:r>
+            <a:r>
+              <a:rPr lang="ru-RU" sz="1200" b="0" i="0" kern="1200" dirty="0" smtClean="0">
+                <a:solidFill>
+                  <a:schemeClr val="tx1"/>
+                </a:solidFill>
+                <a:effectLst/>
+                <a:latin typeface="+mn-lt"/>
+                <a:ea typeface="+mn-ea"/>
+                <a:cs typeface="+mn-cs"/>
+              </a:rPr>
+              <a:t> (</a:t>
+            </a:r>
+            <a:r>
+              <a:rPr lang="ru-RU" sz="1200" b="0" i="0" kern="1200" dirty="0" err="1" smtClean="0">
+                <a:solidFill>
+                  <a:schemeClr val="tx1"/>
+                </a:solidFill>
+                <a:effectLst/>
+                <a:latin typeface="+mn-lt"/>
+                <a:ea typeface="+mn-ea"/>
+                <a:cs typeface="+mn-cs"/>
+              </a:rPr>
+              <a:t>resize</a:t>
+            </a:r>
+            <a:r>
+              <a:rPr lang="ru-RU" sz="1200" b="0" i="0" kern="1200" dirty="0" smtClean="0">
+                <a:solidFill>
+                  <a:schemeClr val="tx1"/>
+                </a:solidFill>
+                <a:effectLst/>
+                <a:latin typeface="+mn-lt"/>
+                <a:ea typeface="+mn-ea"/>
+                <a:cs typeface="+mn-cs"/>
+              </a:rPr>
+              <a:t>) до 224х224. Затем запускается СНС и вычисляются признаки до предпоследнего </a:t>
+            </a:r>
+            <a:r>
+              <a:rPr lang="ru-RU" sz="1200" b="0" i="0" kern="1200" dirty="0" err="1" smtClean="0">
+                <a:solidFill>
+                  <a:schemeClr val="tx1"/>
+                </a:solidFill>
+                <a:effectLst/>
+                <a:latin typeface="+mn-lt"/>
+                <a:ea typeface="+mn-ea"/>
+                <a:cs typeface="+mn-cs"/>
+              </a:rPr>
+              <a:t>свёрточного</a:t>
+            </a:r>
+            <a:r>
+              <a:rPr lang="ru-RU" sz="1200" b="0" i="0" kern="1200" dirty="0" smtClean="0">
+                <a:solidFill>
+                  <a:schemeClr val="tx1"/>
+                </a:solidFill>
+                <a:effectLst/>
+                <a:latin typeface="+mn-lt"/>
+                <a:ea typeface="+mn-ea"/>
+                <a:cs typeface="+mn-cs"/>
+              </a:rPr>
+              <a:t> слоя это 4096 </a:t>
+            </a:r>
+            <a:r>
+              <a:rPr lang="ru-RU" sz="1200" b="0" i="0" kern="1200" dirty="0" err="1" smtClean="0">
+                <a:solidFill>
+                  <a:schemeClr val="tx1"/>
+                </a:solidFill>
+                <a:effectLst/>
+                <a:latin typeface="+mn-lt"/>
+                <a:ea typeface="+mn-ea"/>
+                <a:cs typeface="+mn-cs"/>
+              </a:rPr>
+              <a:t>float</a:t>
+            </a:r>
+            <a:r>
+              <a:rPr lang="ru-RU" sz="1200" b="0" i="0" kern="1200" dirty="0" smtClean="0">
+                <a:solidFill>
+                  <a:schemeClr val="tx1"/>
+                </a:solidFill>
+                <a:effectLst/>
+                <a:latin typeface="+mn-lt"/>
+                <a:ea typeface="+mn-ea"/>
+                <a:cs typeface="+mn-cs"/>
+              </a:rPr>
+              <a:t>. Далее запускается линейная классификация для каждого класса и уточнение местоположения относительно гипотезы (</a:t>
+            </a:r>
+            <a:r>
+              <a:rPr lang="ru-RU" sz="1200" b="0" i="0" kern="1200" dirty="0" err="1" smtClean="0">
+                <a:solidFill>
+                  <a:schemeClr val="tx1"/>
+                </a:solidFill>
+                <a:effectLst/>
+                <a:latin typeface="+mn-lt"/>
+                <a:ea typeface="+mn-ea"/>
+                <a:cs typeface="+mn-cs"/>
+              </a:rPr>
+              <a:t>object</a:t>
+            </a:r>
+            <a:r>
+              <a:rPr lang="ru-RU" sz="1200" b="0" i="0" kern="1200" dirty="0" smtClean="0">
+                <a:solidFill>
+                  <a:schemeClr val="tx1"/>
+                </a:solidFill>
+                <a:effectLst/>
+                <a:latin typeface="+mn-lt"/>
+                <a:ea typeface="+mn-ea"/>
+                <a:cs typeface="+mn-cs"/>
+              </a:rPr>
+              <a:t> </a:t>
+            </a:r>
+            <a:r>
+              <a:rPr lang="ru-RU" sz="1200" b="0" i="0" kern="1200" dirty="0" err="1" smtClean="0">
+                <a:solidFill>
+                  <a:schemeClr val="tx1"/>
+                </a:solidFill>
+                <a:effectLst/>
+                <a:latin typeface="+mn-lt"/>
+                <a:ea typeface="+mn-ea"/>
+                <a:cs typeface="+mn-cs"/>
+              </a:rPr>
+              <a:t>proposal</a:t>
+            </a:r>
+            <a:r>
+              <a:rPr lang="ru-RU" sz="1200" b="0" i="0" kern="1200" dirty="0" smtClean="0">
+                <a:solidFill>
+                  <a:schemeClr val="tx1"/>
+                </a:solidFill>
+                <a:effectLst/>
+                <a:latin typeface="+mn-lt"/>
+                <a:ea typeface="+mn-ea"/>
+                <a:cs typeface="+mn-cs"/>
+              </a:rPr>
+              <a:t>). </a:t>
+            </a:r>
+            <a:r>
+              <a:rPr lang="ru-RU" dirty="0" smtClean="0"/>
+              <a:t/>
+            </a:r>
+            <a:br>
+              <a:rPr lang="ru-RU" dirty="0" smtClean="0"/>
+            </a:br>
+            <a:r>
+              <a:rPr lang="ru-RU" sz="1200" b="0" i="0" kern="1200" dirty="0" smtClean="0">
+                <a:solidFill>
+                  <a:schemeClr val="tx1"/>
+                </a:solidFill>
+                <a:effectLst/>
+                <a:latin typeface="+mn-lt"/>
+                <a:ea typeface="+mn-ea"/>
+                <a:cs typeface="+mn-cs"/>
+              </a:rPr>
+              <a:t>При этом обучается только линейная классификация</a:t>
+            </a:r>
+            <a:r>
+              <a:rPr lang="ru-RU" dirty="0" smtClean="0"/>
+              <a:t/>
+            </a:r>
+            <a:br>
+              <a:rPr lang="ru-RU" dirty="0" smtClean="0"/>
+            </a:br>
+            <a:r>
+              <a:rPr lang="ru-RU" dirty="0" smtClean="0"/>
+              <a:t/>
+            </a:r>
+            <a:br>
+              <a:rPr lang="ru-RU" dirty="0" smtClean="0"/>
+            </a:br>
+            <a:r>
+              <a:rPr lang="ru-RU" sz="1200" b="0" i="0" kern="1200" dirty="0" smtClean="0">
+                <a:solidFill>
+                  <a:schemeClr val="tx1"/>
+                </a:solidFill>
+                <a:effectLst/>
+                <a:latin typeface="+mn-lt"/>
+                <a:ea typeface="+mn-ea"/>
+                <a:cs typeface="+mn-cs"/>
+              </a:rPr>
+              <a:t>2. </a:t>
+            </a:r>
+            <a:r>
+              <a:rPr lang="ru-RU" sz="1200" b="0" i="0" kern="1200" dirty="0" err="1" smtClean="0">
+                <a:solidFill>
+                  <a:schemeClr val="tx1"/>
+                </a:solidFill>
+                <a:effectLst/>
+                <a:latin typeface="+mn-lt"/>
+                <a:ea typeface="+mn-ea"/>
+                <a:cs typeface="+mn-cs"/>
+              </a:rPr>
+              <a:t>Fast</a:t>
+            </a:r>
+            <a:r>
+              <a:rPr lang="ru-RU" sz="1200" b="0" i="0" kern="1200" dirty="0" smtClean="0">
+                <a:solidFill>
+                  <a:schemeClr val="tx1"/>
+                </a:solidFill>
+                <a:effectLst/>
+                <a:latin typeface="+mn-lt"/>
+                <a:ea typeface="+mn-ea"/>
+                <a:cs typeface="+mn-cs"/>
+              </a:rPr>
+              <a:t> RCNN — Следующий шаг, для которого не нужно вырезать прямоугольники и </a:t>
+            </a:r>
+            <a:r>
+              <a:rPr lang="ru-RU" sz="1200" b="0" i="0" kern="1200" dirty="0" err="1" smtClean="0">
+                <a:solidFill>
+                  <a:schemeClr val="tx1"/>
+                </a:solidFill>
+                <a:effectLst/>
+                <a:latin typeface="+mn-lt"/>
+                <a:ea typeface="+mn-ea"/>
+                <a:cs typeface="+mn-cs"/>
+              </a:rPr>
+              <a:t>перемасштабировать</a:t>
+            </a:r>
+            <a:r>
+              <a:rPr lang="ru-RU" sz="1200" b="0" i="0" kern="1200" dirty="0" smtClean="0">
+                <a:solidFill>
+                  <a:schemeClr val="tx1"/>
+                </a:solidFill>
+                <a:effectLst/>
+                <a:latin typeface="+mn-lt"/>
+                <a:ea typeface="+mn-ea"/>
+                <a:cs typeface="+mn-cs"/>
+              </a:rPr>
+              <a:t> их в 224х224. Т.е. рассматривается изображение к примеру 1920x1080 и запускается </a:t>
+            </a:r>
+            <a:r>
+              <a:rPr lang="ru-RU" sz="1200" b="0" i="0" kern="1200" dirty="0" err="1" smtClean="0">
+                <a:solidFill>
+                  <a:schemeClr val="tx1"/>
+                </a:solidFill>
+                <a:effectLst/>
+                <a:latin typeface="+mn-lt"/>
+                <a:ea typeface="+mn-ea"/>
+                <a:cs typeface="+mn-cs"/>
+              </a:rPr>
+              <a:t>свёрточная</a:t>
+            </a:r>
+            <a:r>
+              <a:rPr lang="ru-RU" sz="1200" b="0" i="0" kern="1200" dirty="0" smtClean="0">
+                <a:solidFill>
+                  <a:schemeClr val="tx1"/>
+                </a:solidFill>
+                <a:effectLst/>
+                <a:latin typeface="+mn-lt"/>
+                <a:ea typeface="+mn-ea"/>
+                <a:cs typeface="+mn-cs"/>
+              </a:rPr>
+              <a:t> часть НС и в качестве интересующих нас признаков будем рассматривать выход conv5 слоя (</a:t>
+            </a:r>
+            <a:r>
+              <a:rPr lang="ru-RU" sz="1200" b="0" i="0" kern="1200" dirty="0" err="1" smtClean="0">
+                <a:solidFill>
+                  <a:schemeClr val="tx1"/>
+                </a:solidFill>
+                <a:effectLst/>
+                <a:latin typeface="+mn-lt"/>
+                <a:ea typeface="+mn-ea"/>
+                <a:cs typeface="+mn-cs"/>
+              </a:rPr>
+              <a:t>top</a:t>
+            </a:r>
+            <a:r>
+              <a:rPr lang="ru-RU" sz="1200" b="0" i="0" kern="1200" dirty="0" smtClean="0">
+                <a:solidFill>
+                  <a:schemeClr val="tx1"/>
+                </a:solidFill>
+                <a:effectLst/>
+                <a:latin typeface="+mn-lt"/>
+                <a:ea typeface="+mn-ea"/>
+                <a:cs typeface="+mn-cs"/>
+              </a:rPr>
+              <a:t> </a:t>
+            </a:r>
+            <a:r>
+              <a:rPr lang="ru-RU" sz="1200" b="0" i="0" kern="1200" dirty="0" err="1" smtClean="0">
+                <a:solidFill>
+                  <a:schemeClr val="tx1"/>
+                </a:solidFill>
+                <a:effectLst/>
+                <a:latin typeface="+mn-lt"/>
+                <a:ea typeface="+mn-ea"/>
+                <a:cs typeface="+mn-cs"/>
+              </a:rPr>
+              <a:t>conv</a:t>
+            </a:r>
+            <a:r>
+              <a:rPr lang="ru-RU" sz="1200" b="0" i="0" kern="1200" dirty="0" smtClean="0">
+                <a:solidFill>
+                  <a:schemeClr val="tx1"/>
+                </a:solidFill>
+                <a:effectLst/>
+                <a:latin typeface="+mn-lt"/>
+                <a:ea typeface="+mn-ea"/>
+                <a:cs typeface="+mn-cs"/>
+              </a:rPr>
+              <a:t>), для </a:t>
+            </a:r>
+            <a:r>
+              <a:rPr lang="ru-RU" sz="1200" b="0" i="0" kern="1200" dirty="0" err="1" smtClean="0">
+                <a:solidFill>
+                  <a:schemeClr val="tx1"/>
+                </a:solidFill>
+                <a:effectLst/>
+                <a:latin typeface="+mn-lt"/>
+                <a:ea typeface="+mn-ea"/>
+                <a:cs typeface="+mn-cs"/>
+              </a:rPr>
+              <a:t>AlexNet</a:t>
+            </a:r>
+            <a:r>
+              <a:rPr lang="ru-RU" sz="1200" b="0" i="0" kern="1200" dirty="0" smtClean="0">
+                <a:solidFill>
+                  <a:schemeClr val="tx1"/>
+                </a:solidFill>
+                <a:effectLst/>
+                <a:latin typeface="+mn-lt"/>
+                <a:ea typeface="+mn-ea"/>
+                <a:cs typeface="+mn-cs"/>
+              </a:rPr>
+              <a:t> карта признаков примерно будет 120х67х256. Далее гипотезы (</a:t>
+            </a:r>
+            <a:r>
+              <a:rPr lang="ru-RU" sz="1200" b="0" i="0" kern="1200" dirty="0" err="1" smtClean="0">
+                <a:solidFill>
+                  <a:schemeClr val="tx1"/>
+                </a:solidFill>
+                <a:effectLst/>
+                <a:latin typeface="+mn-lt"/>
+                <a:ea typeface="+mn-ea"/>
+                <a:cs typeface="+mn-cs"/>
+              </a:rPr>
+              <a:t>object</a:t>
+            </a:r>
+            <a:r>
+              <a:rPr lang="ru-RU" sz="1200" b="0" i="0" kern="1200" dirty="0" smtClean="0">
+                <a:solidFill>
+                  <a:schemeClr val="tx1"/>
+                </a:solidFill>
+                <a:effectLst/>
+                <a:latin typeface="+mn-lt"/>
+                <a:ea typeface="+mn-ea"/>
+                <a:cs typeface="+mn-cs"/>
+              </a:rPr>
+              <a:t> </a:t>
+            </a:r>
+            <a:r>
+              <a:rPr lang="ru-RU" sz="1200" b="0" i="0" kern="1200" dirty="0" err="1" smtClean="0">
+                <a:solidFill>
+                  <a:schemeClr val="tx1"/>
+                </a:solidFill>
+                <a:effectLst/>
+                <a:latin typeface="+mn-lt"/>
+                <a:ea typeface="+mn-ea"/>
+                <a:cs typeface="+mn-cs"/>
+              </a:rPr>
+              <a:t>proposals</a:t>
+            </a:r>
+            <a:r>
+              <a:rPr lang="ru-RU" sz="1200" b="0" i="0" kern="1200" dirty="0" smtClean="0">
+                <a:solidFill>
+                  <a:schemeClr val="tx1"/>
+                </a:solidFill>
+                <a:effectLst/>
+                <a:latin typeface="+mn-lt"/>
+                <a:ea typeface="+mn-ea"/>
+                <a:cs typeface="+mn-cs"/>
+              </a:rPr>
+              <a:t>) проецируется на эту карту признаков и с помощью </a:t>
+            </a:r>
+            <a:r>
+              <a:rPr lang="ru-RU" sz="1200" b="0" i="0" kern="1200" dirty="0" err="1" smtClean="0">
+                <a:solidFill>
+                  <a:schemeClr val="tx1"/>
+                </a:solidFill>
+                <a:effectLst/>
+                <a:latin typeface="+mn-lt"/>
+                <a:ea typeface="+mn-ea"/>
+                <a:cs typeface="+mn-cs"/>
+              </a:rPr>
+              <a:t>ROIPooling</a:t>
+            </a:r>
+            <a:r>
+              <a:rPr lang="ru-RU" sz="1200" b="0" i="0" kern="1200" dirty="0" smtClean="0">
+                <a:solidFill>
+                  <a:schemeClr val="tx1"/>
+                </a:solidFill>
+                <a:effectLst/>
+                <a:latin typeface="+mn-lt"/>
+                <a:ea typeface="+mn-ea"/>
+                <a:cs typeface="+mn-cs"/>
+              </a:rPr>
+              <a:t> слоя </a:t>
+            </a:r>
+            <a:r>
+              <a:rPr lang="ru-RU" sz="1200" b="0" i="0" kern="1200" dirty="0" err="1" smtClean="0">
+                <a:solidFill>
+                  <a:schemeClr val="tx1"/>
+                </a:solidFill>
+                <a:effectLst/>
+                <a:latin typeface="+mn-lt"/>
+                <a:ea typeface="+mn-ea"/>
+                <a:cs typeface="+mn-cs"/>
+              </a:rPr>
+              <a:t>перемасштабируются</a:t>
+            </a:r>
+            <a:r>
+              <a:rPr lang="ru-RU" sz="1200" b="0" i="0" kern="1200" dirty="0" smtClean="0">
+                <a:solidFill>
+                  <a:schemeClr val="tx1"/>
+                </a:solidFill>
+                <a:effectLst/>
+                <a:latin typeface="+mn-lt"/>
+                <a:ea typeface="+mn-ea"/>
+                <a:cs typeface="+mn-cs"/>
+              </a:rPr>
+              <a:t> к размеру 7х7. Например если мы получили проекцию 10х3х256, то она всё равно с помощью </a:t>
+            </a:r>
+            <a:r>
+              <a:rPr lang="ru-RU" sz="1200" b="0" i="0" kern="1200" dirty="0" err="1" smtClean="0">
+                <a:solidFill>
+                  <a:schemeClr val="tx1"/>
+                </a:solidFill>
+                <a:effectLst/>
+                <a:latin typeface="+mn-lt"/>
+                <a:ea typeface="+mn-ea"/>
+                <a:cs typeface="+mn-cs"/>
+              </a:rPr>
+              <a:t>ROIPooling</a:t>
+            </a:r>
+            <a:r>
+              <a:rPr lang="ru-RU" sz="1200" b="0" i="0" kern="1200" dirty="0" smtClean="0">
+                <a:solidFill>
+                  <a:schemeClr val="tx1"/>
+                </a:solidFill>
+                <a:effectLst/>
+                <a:latin typeface="+mn-lt"/>
+                <a:ea typeface="+mn-ea"/>
+                <a:cs typeface="+mn-cs"/>
+              </a:rPr>
+              <a:t> (на основе </a:t>
+            </a:r>
+            <a:r>
+              <a:rPr lang="ru-RU" sz="1200" b="0" i="0" kern="1200" dirty="0" err="1" smtClean="0">
+                <a:solidFill>
+                  <a:schemeClr val="tx1"/>
+                </a:solidFill>
+                <a:effectLst/>
+                <a:latin typeface="+mn-lt"/>
+                <a:ea typeface="+mn-ea"/>
+                <a:cs typeface="+mn-cs"/>
+              </a:rPr>
+              <a:t>maxpooling</a:t>
+            </a:r>
+            <a:r>
+              <a:rPr lang="ru-RU" sz="1200" b="0" i="0" kern="1200" dirty="0" smtClean="0">
+                <a:solidFill>
+                  <a:schemeClr val="tx1"/>
+                </a:solidFill>
+                <a:effectLst/>
+                <a:latin typeface="+mn-lt"/>
+                <a:ea typeface="+mn-ea"/>
+                <a:cs typeface="+mn-cs"/>
+              </a:rPr>
+              <a:t>) </a:t>
+            </a:r>
+            <a:r>
+              <a:rPr lang="ru-RU" sz="1200" b="0" i="0" kern="1200" dirty="0" err="1" smtClean="0">
+                <a:solidFill>
+                  <a:schemeClr val="tx1"/>
+                </a:solidFill>
+                <a:effectLst/>
+                <a:latin typeface="+mn-lt"/>
+                <a:ea typeface="+mn-ea"/>
+                <a:cs typeface="+mn-cs"/>
+              </a:rPr>
+              <a:t>перемастабируется</a:t>
+            </a:r>
+            <a:r>
+              <a:rPr lang="ru-RU" sz="1200" b="0" i="0" kern="1200" dirty="0" smtClean="0">
+                <a:solidFill>
+                  <a:schemeClr val="tx1"/>
+                </a:solidFill>
+                <a:effectLst/>
+                <a:latin typeface="+mn-lt"/>
+                <a:ea typeface="+mn-ea"/>
+                <a:cs typeface="+mn-cs"/>
+              </a:rPr>
+              <a:t> в 7х7х256. После этого работает классические </a:t>
+            </a:r>
+            <a:r>
+              <a:rPr lang="ru-RU" sz="1200" b="0" i="0" kern="1200" dirty="0" err="1" smtClean="0">
+                <a:solidFill>
+                  <a:schemeClr val="tx1"/>
+                </a:solidFill>
+                <a:effectLst/>
+                <a:latin typeface="+mn-lt"/>
+                <a:ea typeface="+mn-ea"/>
+                <a:cs typeface="+mn-cs"/>
+              </a:rPr>
+              <a:t>полносвязные</a:t>
+            </a:r>
+            <a:r>
+              <a:rPr lang="ru-RU" sz="1200" b="0" i="0" kern="1200" dirty="0" smtClean="0">
+                <a:solidFill>
+                  <a:schemeClr val="tx1"/>
+                </a:solidFill>
+                <a:effectLst/>
+                <a:latin typeface="+mn-lt"/>
+                <a:ea typeface="+mn-ea"/>
+                <a:cs typeface="+mn-cs"/>
+              </a:rPr>
+              <a:t> слои которые для каждой гипотезы вычисляют класс и смещение относительно гипотезы</a:t>
+            </a:r>
+            <a:r>
+              <a:rPr lang="ru-RU" dirty="0" smtClean="0"/>
+              <a:t/>
+            </a:r>
+            <a:br>
+              <a:rPr lang="ru-RU" dirty="0" smtClean="0"/>
+            </a:br>
+            <a:r>
+              <a:rPr lang="ru-RU" dirty="0" smtClean="0"/>
+              <a:t/>
+            </a:r>
+            <a:br>
+              <a:rPr lang="ru-RU" dirty="0" smtClean="0"/>
+            </a:br>
+            <a:r>
+              <a:rPr lang="ru-RU" sz="1200" b="0" i="0" kern="1200" dirty="0" smtClean="0">
+                <a:solidFill>
+                  <a:schemeClr val="tx1"/>
+                </a:solidFill>
+                <a:effectLst/>
+                <a:latin typeface="+mn-lt"/>
+                <a:ea typeface="+mn-ea"/>
+                <a:cs typeface="+mn-cs"/>
+              </a:rPr>
+              <a:t>3. RPN и </a:t>
+            </a:r>
+            <a:r>
+              <a:rPr lang="ru-RU" sz="1200" b="0" i="0" kern="1200" dirty="0" err="1" smtClean="0">
+                <a:solidFill>
+                  <a:schemeClr val="tx1"/>
+                </a:solidFill>
+                <a:effectLst/>
+                <a:latin typeface="+mn-lt"/>
+                <a:ea typeface="+mn-ea"/>
+                <a:cs typeface="+mn-cs"/>
+              </a:rPr>
+              <a:t>Faster</a:t>
+            </a:r>
+            <a:r>
+              <a:rPr lang="ru-RU" sz="1200" b="0" i="0" kern="1200" dirty="0" smtClean="0">
+                <a:solidFill>
+                  <a:schemeClr val="tx1"/>
+                </a:solidFill>
+                <a:effectLst/>
+                <a:latin typeface="+mn-lt"/>
+                <a:ea typeface="+mn-ea"/>
+                <a:cs typeface="+mn-cs"/>
+              </a:rPr>
+              <a:t> RCNN — быстрый и точный поиск гипотез. </a:t>
+            </a:r>
+            <a:r>
+              <a:rPr lang="ru-RU" sz="1200" b="0" i="0" kern="1200" dirty="0" err="1" smtClean="0">
+                <a:solidFill>
+                  <a:schemeClr val="tx1"/>
+                </a:solidFill>
+                <a:effectLst/>
+                <a:latin typeface="+mn-lt"/>
+                <a:ea typeface="+mn-ea"/>
+                <a:cs typeface="+mn-cs"/>
+              </a:rPr>
+              <a:t>SelectiveSearch</a:t>
+            </a:r>
+            <a:r>
+              <a:rPr lang="ru-RU" sz="1200" b="0" i="0" kern="1200" dirty="0" smtClean="0">
+                <a:solidFill>
+                  <a:schemeClr val="tx1"/>
+                </a:solidFill>
+                <a:effectLst/>
+                <a:latin typeface="+mn-lt"/>
+                <a:ea typeface="+mn-ea"/>
+                <a:cs typeface="+mn-cs"/>
+              </a:rPr>
+              <a:t> работает долго около 1.2с и не зависит от решаемой задачи, это эвристический не обучаемый метод. Можно обучить гипотезы так же в пространстве карты признаков conv5 (</a:t>
+            </a:r>
+            <a:r>
+              <a:rPr lang="ru-RU" sz="1200" b="0" i="0" kern="1200" dirty="0" err="1" smtClean="0">
+                <a:solidFill>
+                  <a:schemeClr val="tx1"/>
+                </a:solidFill>
+                <a:effectLst/>
+                <a:latin typeface="+mn-lt"/>
+                <a:ea typeface="+mn-ea"/>
+                <a:cs typeface="+mn-cs"/>
+              </a:rPr>
+              <a:t>top</a:t>
+            </a:r>
+            <a:r>
+              <a:rPr lang="ru-RU" sz="1200" b="0" i="0" kern="1200" dirty="0" smtClean="0">
+                <a:solidFill>
+                  <a:schemeClr val="tx1"/>
+                </a:solidFill>
+                <a:effectLst/>
+                <a:latin typeface="+mn-lt"/>
+                <a:ea typeface="+mn-ea"/>
+                <a:cs typeface="+mn-cs"/>
+              </a:rPr>
+              <a:t> </a:t>
+            </a:r>
+            <a:r>
+              <a:rPr lang="ru-RU" sz="1200" b="0" i="0" kern="1200" dirty="0" err="1" smtClean="0">
+                <a:solidFill>
+                  <a:schemeClr val="tx1"/>
+                </a:solidFill>
+                <a:effectLst/>
+                <a:latin typeface="+mn-lt"/>
+                <a:ea typeface="+mn-ea"/>
+                <a:cs typeface="+mn-cs"/>
+              </a:rPr>
+              <a:t>conv</a:t>
+            </a:r>
+            <a:r>
+              <a:rPr lang="ru-RU" sz="1200" b="0" i="0" kern="1200" dirty="0" smtClean="0">
+                <a:solidFill>
+                  <a:schemeClr val="tx1"/>
+                </a:solidFill>
+                <a:effectLst/>
+                <a:latin typeface="+mn-lt"/>
+                <a:ea typeface="+mn-ea"/>
+                <a:cs typeface="+mn-cs"/>
+              </a:rPr>
+              <a:t>) и совместно использовать с </a:t>
+            </a:r>
+            <a:r>
+              <a:rPr lang="ru-RU" sz="1200" b="0" i="0" kern="1200" dirty="0" err="1" smtClean="0">
+                <a:solidFill>
+                  <a:schemeClr val="tx1"/>
+                </a:solidFill>
+                <a:effectLst/>
+                <a:latin typeface="+mn-lt"/>
+                <a:ea typeface="+mn-ea"/>
+                <a:cs typeface="+mn-cs"/>
+              </a:rPr>
+              <a:t>Fast</a:t>
+            </a:r>
+            <a:r>
+              <a:rPr lang="ru-RU" sz="1200" b="0" i="0" kern="1200" dirty="0" smtClean="0">
+                <a:solidFill>
+                  <a:schemeClr val="tx1"/>
+                </a:solidFill>
+                <a:effectLst/>
+                <a:latin typeface="+mn-lt"/>
+                <a:ea typeface="+mn-ea"/>
+                <a:cs typeface="+mn-cs"/>
+              </a:rPr>
+              <a:t> RCNN (т.е. не нужно делать повторно свёртку). Для этого запускается </a:t>
+            </a:r>
+            <a:r>
+              <a:rPr lang="ru-RU" sz="1200" b="0" i="0" kern="1200" dirty="0" err="1" smtClean="0">
+                <a:solidFill>
+                  <a:schemeClr val="tx1"/>
+                </a:solidFill>
+                <a:effectLst/>
+                <a:latin typeface="+mn-lt"/>
+                <a:ea typeface="+mn-ea"/>
+                <a:cs typeface="+mn-cs"/>
+              </a:rPr>
+              <a:t>fully</a:t>
+            </a:r>
+            <a:r>
+              <a:rPr lang="ru-RU" sz="1200" b="0" i="0" kern="1200" dirty="0" smtClean="0">
+                <a:solidFill>
+                  <a:schemeClr val="tx1"/>
+                </a:solidFill>
+                <a:effectLst/>
+                <a:latin typeface="+mn-lt"/>
+                <a:ea typeface="+mn-ea"/>
+                <a:cs typeface="+mn-cs"/>
+              </a:rPr>
+              <a:t> </a:t>
+            </a:r>
+            <a:r>
+              <a:rPr lang="ru-RU" sz="1200" b="0" i="0" kern="1200" dirty="0" err="1" smtClean="0">
+                <a:solidFill>
+                  <a:schemeClr val="tx1"/>
+                </a:solidFill>
+                <a:effectLst/>
+                <a:latin typeface="+mn-lt"/>
+                <a:ea typeface="+mn-ea"/>
+                <a:cs typeface="+mn-cs"/>
+              </a:rPr>
+              <a:t>convolution</a:t>
+            </a:r>
+            <a:r>
+              <a:rPr lang="ru-RU" sz="1200" b="0" i="0" kern="1200" dirty="0" smtClean="0">
+                <a:solidFill>
+                  <a:schemeClr val="tx1"/>
+                </a:solidFill>
+                <a:effectLst/>
+                <a:latin typeface="+mn-lt"/>
+                <a:ea typeface="+mn-ea"/>
+                <a:cs typeface="+mn-cs"/>
+              </a:rPr>
+              <a:t> слой 3х3 который генерирует гипотезы. Причём сразу несколько для разных соотношений сторон и масштабов</a:t>
+            </a:r>
+            <a:r>
+              <a:rPr lang="ru-RU" dirty="0" smtClean="0"/>
+              <a:t/>
+            </a:r>
+            <a:br>
+              <a:rPr lang="ru-RU" dirty="0" smtClean="0"/>
+            </a:br>
+            <a:r>
+              <a:rPr lang="ru-RU" sz="1200" b="0" i="0" kern="1200" dirty="0" smtClean="0">
+                <a:solidFill>
+                  <a:schemeClr val="tx1"/>
+                </a:solidFill>
+                <a:effectLst/>
+                <a:latin typeface="+mn-lt"/>
+                <a:ea typeface="+mn-ea"/>
+                <a:cs typeface="+mn-cs"/>
+              </a:rPr>
+              <a:t>RPN — генератор гипотез, </a:t>
+            </a:r>
+            <a:r>
+              <a:rPr lang="ru-RU" sz="1200" b="0" i="0" kern="1200" dirty="0" err="1" smtClean="0">
+                <a:solidFill>
+                  <a:schemeClr val="tx1"/>
+                </a:solidFill>
+                <a:effectLst/>
+                <a:latin typeface="+mn-lt"/>
+                <a:ea typeface="+mn-ea"/>
+                <a:cs typeface="+mn-cs"/>
+              </a:rPr>
+              <a:t>Faster</a:t>
+            </a:r>
+            <a:r>
+              <a:rPr lang="ru-RU" sz="1200" b="0" i="0" kern="1200" dirty="0" smtClean="0">
+                <a:solidFill>
+                  <a:schemeClr val="tx1"/>
+                </a:solidFill>
+                <a:effectLst/>
+                <a:latin typeface="+mn-lt"/>
+                <a:ea typeface="+mn-ea"/>
+                <a:cs typeface="+mn-cs"/>
+              </a:rPr>
+              <a:t> RCNN=</a:t>
+            </a:r>
+            <a:r>
+              <a:rPr lang="ru-RU" sz="1200" b="0" i="0" kern="1200" dirty="0" err="1" smtClean="0">
+                <a:solidFill>
+                  <a:schemeClr val="tx1"/>
+                </a:solidFill>
+                <a:effectLst/>
+                <a:latin typeface="+mn-lt"/>
+                <a:ea typeface="+mn-ea"/>
+                <a:cs typeface="+mn-cs"/>
+              </a:rPr>
+              <a:t>RPN+FastRCNN</a:t>
+            </a:r>
+            <a:r>
+              <a:rPr lang="ru-RU" dirty="0" smtClean="0"/>
+              <a:t/>
+            </a:r>
+            <a:br>
+              <a:rPr lang="ru-RU" dirty="0" smtClean="0"/>
+            </a:br>
             <a:endParaRPr lang="ru-RU" dirty="0"/>
           </a:p>
         </p:txBody>
@@ -591,7 +1494,7 @@
           <a:p>
             <a:fld id="{0810FEF8-3249-4621-A511-F58006D7D6BA}" type="slidenum">
               <a:rPr lang="ru-RU" smtClean="0"/>
-              <a:t>6</a:t>
+              <a:t>3</a:t>
             </a:fld>
             <a:endParaRPr lang="ru-RU"/>
           </a:p>
@@ -600,7 +1503,7 @@
     </p:spTree>
     <p:extLst>
       <p:ext uri="{BB962C8B-B14F-4D97-AF65-F5344CB8AC3E}">
-        <p14:creationId xmlns:p14="http://schemas.microsoft.com/office/powerpoint/2010/main" val="424901695"/>
+        <p14:creationId xmlns:p14="http://schemas.microsoft.com/office/powerpoint/2010/main" val="1453887796"/>
       </p:ext>
     </p:extLst>
   </p:cSld>
@@ -654,16 +1557,6 @@
           <a:bodyPr/>
           <a:lstStyle/>
           <a:p>
-            <a:r>
-              <a:rPr lang="en-US" dirty="0" smtClean="0"/>
-              <a:t>https://pjreddie.com/darknet/yolo/</a:t>
-            </a:r>
-          </a:p>
-          <a:p>
-            <a:r>
-              <a:rPr lang="en-US" dirty="0" smtClean="0"/>
-              <a:t>https://arxiv.org/pdf/1612.08242.pdf</a:t>
-            </a:r>
             <a:endParaRPr lang="ru-RU" dirty="0"/>
           </a:p>
         </p:txBody>
@@ -685,7 +1578,7 @@
           <a:p>
             <a:fld id="{0810FEF8-3249-4621-A511-F58006D7D6BA}" type="slidenum">
               <a:rPr lang="ru-RU" smtClean="0"/>
-              <a:t>7</a:t>
+              <a:t>4</a:t>
             </a:fld>
             <a:endParaRPr lang="ru-RU"/>
           </a:p>
@@ -694,7 +1587,7 @@
     </p:spTree>
     <p:extLst>
       <p:ext uri="{BB962C8B-B14F-4D97-AF65-F5344CB8AC3E}">
-        <p14:creationId xmlns:p14="http://schemas.microsoft.com/office/powerpoint/2010/main" val="2490352515"/>
+        <p14:creationId xmlns:p14="http://schemas.microsoft.com/office/powerpoint/2010/main" val="907435176"/>
       </p:ext>
     </p:extLst>
   </p:cSld>
@@ -779,7 +1672,7 @@
           <a:p>
             <a:fld id="{0810FEF8-3249-4621-A511-F58006D7D6BA}" type="slidenum">
               <a:rPr lang="ru-RU" smtClean="0"/>
-              <a:t>8</a:t>
+              <a:t>7</a:t>
             </a:fld>
             <a:endParaRPr lang="ru-RU"/>
           </a:p>
@@ -788,7 +1681,7 @@
     </p:spTree>
     <p:extLst>
       <p:ext uri="{BB962C8B-B14F-4D97-AF65-F5344CB8AC3E}">
-        <p14:creationId xmlns:p14="http://schemas.microsoft.com/office/powerpoint/2010/main" val="1223265162"/>
+        <p14:creationId xmlns:p14="http://schemas.microsoft.com/office/powerpoint/2010/main" val="424901695"/>
       </p:ext>
     </p:extLst>
   </p:cSld>
@@ -873,7 +1766,7 @@
           <a:p>
             <a:fld id="{0810FEF8-3249-4621-A511-F58006D7D6BA}" type="slidenum">
               <a:rPr lang="ru-RU" smtClean="0"/>
-              <a:t>9</a:t>
+              <a:t>8</a:t>
             </a:fld>
             <a:endParaRPr lang="ru-RU"/>
           </a:p>
@@ -882,7 +1775,7 @@
     </p:spTree>
     <p:extLst>
       <p:ext uri="{BB962C8B-B14F-4D97-AF65-F5344CB8AC3E}">
-        <p14:creationId xmlns:p14="http://schemas.microsoft.com/office/powerpoint/2010/main" val="4291551807"/>
+        <p14:creationId xmlns:p14="http://schemas.microsoft.com/office/powerpoint/2010/main" val="2490352515"/>
       </p:ext>
     </p:extLst>
   </p:cSld>
@@ -967,6 +1860,100 @@
           <a:p>
             <a:fld id="{0810FEF8-3249-4621-A511-F58006D7D6BA}" type="slidenum">
               <a:rPr lang="ru-RU" smtClean="0"/>
+              <a:t>9</a:t>
+            </a:fld>
+            <a:endParaRPr lang="ru-RU"/>
+          </a:p>
+        </p:txBody>
+      </p:sp>
+    </p:spTree>
+    <p:extLst>
+      <p:ext uri="{BB962C8B-B14F-4D97-AF65-F5344CB8AC3E}">
+        <p14:creationId xmlns:p14="http://schemas.microsoft.com/office/powerpoint/2010/main" val="1223265162"/>
+      </p:ext>
+    </p:extLst>
+  </p:cSld>
+  <p:clrMapOvr>
+    <a:masterClrMapping/>
+  </p:clrMapOvr>
+</p:notes>
+</file>
+
+<file path=ppt/notesSlides/notesSlide6.xml><?xml version="1.0" encoding="utf-8"?>
+<p:notes xmlns:a="http://schemas.openxmlformats.org/drawingml/2006/main" xmlns:r="http://schemas.openxmlformats.org/officeDocument/2006/relationships" xmlns:p="http://schemas.openxmlformats.org/presentationml/2006/main">
+  <p:cSld>
+    <p:spTree>
+      <p:nvGrpSpPr>
+        <p:cNvPr id="1" name=""/>
+        <p:cNvGrpSpPr/>
+        <p:nvPr/>
+      </p:nvGrpSpPr>
+      <p:grpSpPr>
+        <a:xfrm>
+          <a:off x="0" y="0"/>
+          <a:ext cx="0" cy="0"/>
+          <a:chOff x="0" y="0"/>
+          <a:chExt cx="0" cy="0"/>
+        </a:xfrm>
+      </p:grpSpPr>
+      <p:sp>
+        <p:nvSpPr>
+          <p:cNvPr id="2" name="Образ слайда 1"/>
+          <p:cNvSpPr>
+            <a:spLocks noGrp="1" noRot="1" noChangeAspect="1"/>
+          </p:cNvSpPr>
+          <p:nvPr>
+            <p:ph type="sldImg"/>
+          </p:nvPr>
+        </p:nvSpPr>
+        <p:spPr/>
+      </p:sp>
+      <p:sp>
+        <p:nvSpPr>
+          <p:cNvPr id="3" name="Заметки 2"/>
+          <p:cNvSpPr>
+            <a:spLocks noGrp="1"/>
+          </p:cNvSpPr>
+          <p:nvPr>
+            <p:ph type="body" idx="1"/>
+          </p:nvPr>
+        </p:nvSpPr>
+        <p:spPr/>
+        <p:txBody>
+          <a:bodyPr/>
+          <a:lstStyle/>
+          <a:p>
+            <a:r>
+              <a:rPr lang="en-US" dirty="0" smtClean="0"/>
+              <a:t>https://pjreddie.com/darknet/yolo/</a:t>
+            </a:r>
+          </a:p>
+          <a:p>
+            <a:r>
+              <a:rPr lang="en-US" dirty="0" smtClean="0"/>
+              <a:t>https://arxiv.org/pdf/1612.08242.pdf</a:t>
+            </a:r>
+            <a:endParaRPr lang="ru-RU" dirty="0"/>
+          </a:p>
+        </p:txBody>
+      </p:sp>
+      <p:sp>
+        <p:nvSpPr>
+          <p:cNvPr id="4" name="Номер слайда 3"/>
+          <p:cNvSpPr>
+            <a:spLocks noGrp="1"/>
+          </p:cNvSpPr>
+          <p:nvPr>
+            <p:ph type="sldNum" sz="quarter" idx="10"/>
+          </p:nvPr>
+        </p:nvSpPr>
+        <p:spPr/>
+        <p:txBody>
+          <a:bodyPr/>
+          <a:lstStyle/>
+          <a:p>
+            <a:fld id="{0810FEF8-3249-4621-A511-F58006D7D6BA}" type="slidenum">
+              <a:rPr lang="ru-RU" smtClean="0"/>
               <a:t>10</a:t>
             </a:fld>
             <a:endParaRPr lang="ru-RU"/>
@@ -976,7 +1963,7 @@
     </p:spTree>
     <p:extLst>
       <p:ext uri="{BB962C8B-B14F-4D97-AF65-F5344CB8AC3E}">
-        <p14:creationId xmlns:p14="http://schemas.microsoft.com/office/powerpoint/2010/main" val="3295644877"/>
+        <p14:creationId xmlns:p14="http://schemas.microsoft.com/office/powerpoint/2010/main" val="4291551807"/>
       </p:ext>
     </p:extLst>
   </p:cSld>
@@ -1177,7 +2164,7 @@
               <a:pPr>
                 <a:defRPr/>
               </a:pPr>
-              <a:t>10/15/2017</a:t>
+              <a:t>10/17/2017</a:t>
             </a:fld>
             <a:endParaRPr lang="en-US"/>
           </a:p>
@@ -1369,7 +2356,7 @@
               <a:pPr>
                 <a:defRPr/>
               </a:pPr>
-              <a:t>10/15/2017</a:t>
+              <a:t>10/17/2017</a:t>
             </a:fld>
             <a:endParaRPr lang="en-US"/>
           </a:p>
@@ -1571,7 +2558,7 @@
               <a:pPr>
                 <a:defRPr/>
               </a:pPr>
-              <a:t>10/15/2017</a:t>
+              <a:t>10/17/2017</a:t>
             </a:fld>
             <a:endParaRPr lang="en-US"/>
           </a:p>
@@ -1763,7 +2750,7 @@
               <a:pPr>
                 <a:defRPr/>
               </a:pPr>
-              <a:t>10/15/2017</a:t>
+              <a:t>10/17/2017</a:t>
             </a:fld>
             <a:endParaRPr lang="en-US"/>
           </a:p>
@@ -2031,7 +3018,7 @@
               <a:pPr>
                 <a:defRPr/>
               </a:pPr>
-              <a:t>10/15/2017</a:t>
+              <a:t>10/17/2017</a:t>
             </a:fld>
             <a:endParaRPr lang="en-US"/>
           </a:p>
@@ -2341,7 +3328,7 @@
               <a:pPr>
                 <a:defRPr/>
               </a:pPr>
-              <a:t>10/15/2017</a:t>
+              <a:t>10/17/2017</a:t>
             </a:fld>
             <a:endParaRPr lang="en-US"/>
           </a:p>
@@ -2785,7 +3772,7 @@
               <a:pPr>
                 <a:defRPr/>
               </a:pPr>
-              <a:t>10/15/2017</a:t>
+              <a:t>10/17/2017</a:t>
             </a:fld>
             <a:endParaRPr lang="en-US"/>
           </a:p>
@@ -2925,7 +3912,7 @@
               <a:pPr>
                 <a:defRPr/>
               </a:pPr>
-              <a:t>10/15/2017</a:t>
+              <a:t>10/17/2017</a:t>
             </a:fld>
             <a:endParaRPr lang="en-US"/>
           </a:p>
@@ -3042,7 +4029,7 @@
               <a:pPr>
                 <a:defRPr/>
               </a:pPr>
-              <a:t>10/15/2017</a:t>
+              <a:t>10/17/2017</a:t>
             </a:fld>
             <a:endParaRPr lang="en-US"/>
           </a:p>
@@ -3341,7 +4328,7 @@
               <a:pPr>
                 <a:defRPr/>
               </a:pPr>
-              <a:t>10/15/2017</a:t>
+              <a:t>10/17/2017</a:t>
             </a:fld>
             <a:endParaRPr lang="en-US"/>
           </a:p>
@@ -3619,7 +4606,7 @@
               <a:pPr>
                 <a:defRPr/>
               </a:pPr>
-              <a:t>10/15/2017</a:t>
+              <a:t>10/17/2017</a:t>
             </a:fld>
             <a:endParaRPr lang="en-US"/>
           </a:p>
@@ -3872,7 +4859,7 @@
               <a:pPr>
                 <a:defRPr/>
               </a:pPr>
-              <a:t>10/15/2017</a:t>
+              <a:t>10/17/2017</a:t>
             </a:fld>
             <a:endParaRPr lang="en-US"/>
           </a:p>
@@ -4689,11 +5676,6 @@
               </a:rPr>
               <a:t>7</a:t>
             </a:r>
-            <a:endParaRPr lang="ru-RU" sz="800" dirty="0">
-              <a:solidFill>
-                <a:schemeClr val="bg1"/>
-              </a:solidFill>
-            </a:endParaRPr>
           </a:p>
           <a:p>
             <a:pPr algn="ctr">
@@ -4848,16 +5830,7 @@
                 </a:solidFill>
                 <a:latin typeface="Myriad Pro"/>
               </a:rPr>
-              <a:t>YOLO: </a:t>
-            </a:r>
-            <a:r>
-              <a:rPr lang="en-US" sz="2400" dirty="0" smtClean="0">
-                <a:solidFill>
-                  <a:schemeClr val="bg1"/>
-                </a:solidFill>
-                <a:latin typeface="Myriad Pro"/>
-              </a:rPr>
-              <a:t>How it works</a:t>
+              <a:t>YOLO: How it works</a:t>
             </a:r>
             <a:endParaRPr lang="en-US" sz="2400" dirty="0">
               <a:solidFill>
@@ -5011,73 +5984,119 @@
       </p:sp>
       <p:sp>
         <p:nvSpPr>
-          <p:cNvPr id="10" name="TextBox 9"/>
-          <p:cNvSpPr txBox="1"/>
+          <p:cNvPr id="14346" name="Rectangle 12"/>
+          <p:cNvSpPr>
+            <a:spLocks noChangeArrowheads="1"/>
+          </p:cNvSpPr>
           <p:nvPr/>
         </p:nvSpPr>
-        <p:spPr>
+        <p:spPr bwMode="auto">
           <a:xfrm>
-            <a:off x="503820" y="1450756"/>
-            <a:ext cx="8352928" cy="646331"/>
+            <a:off x="222250" y="1471008"/>
+            <a:ext cx="8702294" cy="2246769"/>
           </a:xfrm>
           <a:prstGeom prst="rect">
             <a:avLst/>
           </a:prstGeom>
           <a:noFill/>
+          <a:ln w="9525">
+            <a:noFill/>
+            <a:miter lim="800000"/>
+            <a:headEnd/>
+            <a:tailEnd/>
+          </a:ln>
         </p:spPr>
         <p:txBody>
-          <a:bodyPr wrap="square" rtlCol="0">
+          <a:bodyPr wrap="square">
             <a:spAutoFit/>
           </a:bodyPr>
           <a:lstStyle/>
           <a:p>
-            <a:r>
-              <a:rPr lang="en-US" altLang="zh-CN" b="1" dirty="0"/>
-              <a:t>C</a:t>
-            </a:r>
-            <a:r>
-              <a:rPr lang="en-US" altLang="zh-CN" b="1" dirty="0" smtClean="0"/>
-              <a:t>onfidence </a:t>
-            </a:r>
-            <a:r>
-              <a:rPr lang="en-US" altLang="zh-CN" b="1" dirty="0"/>
-              <a:t>scores</a:t>
-            </a:r>
-            <a:r>
-              <a:rPr lang="en-US" altLang="zh-CN" dirty="0"/>
-              <a:t>: </a:t>
-            </a:r>
-            <a:r>
-              <a:rPr lang="en-US" altLang="zh-CN" dirty="0" smtClean="0"/>
-              <a:t>confidence </a:t>
-            </a:r>
-            <a:r>
-              <a:rPr lang="en-US" altLang="zh-CN" dirty="0" smtClean="0"/>
-              <a:t>that </a:t>
-            </a:r>
-            <a:r>
-              <a:rPr lang="en-US" altLang="zh-CN" dirty="0"/>
-              <a:t>the box contains an </a:t>
-            </a:r>
-            <a:r>
-              <a:rPr lang="en-US" altLang="zh-CN" dirty="0" smtClean="0"/>
-              <a:t>object + how </a:t>
-            </a:r>
-            <a:r>
-              <a:rPr lang="en-US" altLang="zh-CN" dirty="0"/>
-              <a:t>accurate the box </a:t>
-            </a:r>
-            <a:r>
-              <a:rPr lang="en-US" altLang="zh-CN" dirty="0" smtClean="0"/>
-              <a:t>is.</a:t>
-            </a:r>
-            <a:endParaRPr lang="zh-CN" altLang="en-US" dirty="0"/>
+            <a:pPr marL="457200" indent="-457200">
+              <a:buFont typeface="Arial" panose="020B0604020202020204" pitchFamily="34" charset="0"/>
+              <a:buChar char="•"/>
+            </a:pPr>
+            <a:r>
+              <a:rPr lang="en-US" altLang="zh-CN" sz="2000" dirty="0" smtClean="0"/>
+              <a:t>Uses </a:t>
+            </a:r>
+            <a:r>
+              <a:rPr lang="en-US" altLang="zh-CN" sz="2000" dirty="0"/>
+              <a:t>features from the entire image to predict each bounding box</a:t>
+            </a:r>
+          </a:p>
+          <a:p>
+            <a:pPr marL="457200" indent="-457200">
+              <a:buFont typeface="Arial" panose="020B0604020202020204" pitchFamily="34" charset="0"/>
+              <a:buChar char="•"/>
+            </a:pPr>
+            <a:r>
+              <a:rPr lang="en-US" altLang="zh-CN" sz="2000" dirty="0" smtClean="0"/>
+              <a:t>Divides </a:t>
+            </a:r>
+            <a:r>
+              <a:rPr lang="en-US" altLang="zh-CN" sz="2000" dirty="0"/>
+              <a:t>the input image into </a:t>
+            </a:r>
+            <a:r>
+              <a:rPr lang="en-US" altLang="zh-CN" sz="2000" dirty="0" smtClean="0"/>
+              <a:t>a grid</a:t>
+            </a:r>
+            <a:r>
+              <a:rPr lang="en-US" altLang="zh-CN" sz="2000" dirty="0"/>
+              <a:t>. If the center of an object falls into a grid cell, the cell is responsible for detecting that object.</a:t>
+            </a:r>
+          </a:p>
+          <a:p>
+            <a:pPr marL="457200" indent="-457200">
+              <a:buFont typeface="Arial" panose="020B0604020202020204" pitchFamily="34" charset="0"/>
+              <a:buChar char="•"/>
+            </a:pPr>
+            <a:r>
+              <a:rPr lang="en-US" altLang="zh-CN" sz="2000" dirty="0"/>
+              <a:t>E</a:t>
+            </a:r>
+            <a:r>
+              <a:rPr lang="en-US" altLang="zh-CN" sz="2000" dirty="0" smtClean="0"/>
+              <a:t>ach </a:t>
+            </a:r>
+            <a:r>
+              <a:rPr lang="en-US" altLang="zh-CN" sz="2000" dirty="0"/>
+              <a:t>grid cell predicts </a:t>
+            </a:r>
+            <a:r>
+              <a:rPr lang="en-US" altLang="zh-CN" sz="2000" dirty="0" smtClean="0"/>
+              <a:t>bounding </a:t>
+            </a:r>
+            <a:r>
+              <a:rPr lang="en-US" altLang="zh-CN" sz="2000" dirty="0"/>
+              <a:t>boxes and confidence scores for those boxes</a:t>
+            </a:r>
+          </a:p>
+          <a:p>
+            <a:pPr marL="457200" indent="-457200">
+              <a:buFont typeface="Arial" panose="020B0604020202020204" pitchFamily="34" charset="0"/>
+              <a:buChar char="•"/>
+            </a:pPr>
+            <a:r>
+              <a:rPr lang="en-US" altLang="zh-CN" sz="2000" dirty="0"/>
+              <a:t>Each grid also predicts </a:t>
+            </a:r>
+            <a:r>
+              <a:rPr lang="en-US" altLang="zh-CN" sz="2000" dirty="0" smtClean="0"/>
+              <a:t>conditional (conditioned </a:t>
+            </a:r>
+            <a:r>
+              <a:rPr lang="en-US" altLang="zh-CN" sz="2000" dirty="0"/>
+              <a:t>on the grid cell containing an object) class probabilities</a:t>
+            </a:r>
+            <a:endParaRPr lang="zh-CN" altLang="zh-CN" sz="2000" dirty="0"/>
           </a:p>
         </p:txBody>
       </p:sp>
       <p:pic>
         <p:nvPicPr>
-          <p:cNvPr id="11" name="Picture 2"/>
+          <p:cNvPr id="9" name="Picture 6"/>
           <p:cNvPicPr>
             <a:picLocks noChangeAspect="1" noChangeArrowheads="1"/>
           </p:cNvPicPr>
@@ -5098,8 +6117,8 @@
         </p:blipFill>
         <p:spPr bwMode="auto">
           <a:xfrm>
-            <a:off x="3723021" y="2144543"/>
-            <a:ext cx="1914525" cy="314325"/>
+            <a:off x="2410565" y="3681163"/>
+            <a:ext cx="4325664" cy="2770539"/>
           </a:xfrm>
           <a:prstGeom prst="rect">
             <a:avLst/>
@@ -5129,266 +6148,10 @@
           </a:extLst>
         </p:spPr>
       </p:pic>
-      <p:sp>
-        <p:nvSpPr>
-          <p:cNvPr id="12" name="TextBox 11"/>
-          <p:cNvSpPr txBox="1"/>
-          <p:nvPr/>
-        </p:nvSpPr>
-        <p:spPr>
-          <a:xfrm>
-            <a:off x="503820" y="2521584"/>
-            <a:ext cx="7920880" cy="646331"/>
-          </a:xfrm>
-          <a:prstGeom prst="rect">
-            <a:avLst/>
-          </a:prstGeom>
-          <a:noFill/>
-        </p:spPr>
-        <p:txBody>
-          <a:bodyPr wrap="square" rtlCol="0">
-            <a:spAutoFit/>
-          </a:bodyPr>
-          <a:lstStyle/>
-          <a:p>
-            <a:r>
-              <a:rPr lang="en-US" altLang="zh-CN" b="1" dirty="0"/>
-              <a:t>C</a:t>
-            </a:r>
-            <a:r>
-              <a:rPr lang="en-US" altLang="zh-CN" b="1" dirty="0" smtClean="0"/>
-              <a:t>onditional </a:t>
-            </a:r>
-            <a:r>
-              <a:rPr lang="en-US" altLang="zh-CN" b="1" dirty="0" smtClean="0"/>
-              <a:t>class probabilities: </a:t>
-            </a:r>
-            <a:r>
-              <a:rPr lang="en-US" altLang="zh-CN" dirty="0" smtClean="0"/>
-              <a:t>conditioned on the grid cell containing an </a:t>
-            </a:r>
-            <a:r>
-              <a:rPr lang="en-US" altLang="zh-CN" dirty="0" smtClean="0"/>
-              <a:t>object.</a:t>
-            </a:r>
-            <a:endParaRPr lang="zh-CN" altLang="en-US" dirty="0"/>
-          </a:p>
-        </p:txBody>
-      </p:sp>
-      <p:pic>
-        <p:nvPicPr>
-          <p:cNvPr id="13" name="Picture 3"/>
-          <p:cNvPicPr>
-            <a:picLocks noChangeAspect="1" noChangeArrowheads="1"/>
-          </p:cNvPicPr>
-          <p:nvPr/>
-        </p:nvPicPr>
-        <p:blipFill>
-          <a:blip r:embed="rId5">
-            <a:extLst>
-              <a:ext uri="{28A0092B-C50C-407E-A947-70E740481C1C}">
-                <a14:useLocalDpi xmlns:a14="http://schemas.microsoft.com/office/drawing/2010/main" val="0"/>
-              </a:ext>
-            </a:extLst>
-          </a:blip>
-          <a:srcRect/>
-          <a:stretch>
-            <a:fillRect/>
-          </a:stretch>
-        </p:blipFill>
-        <p:spPr bwMode="auto">
-          <a:xfrm>
-            <a:off x="3870658" y="3034932"/>
-            <a:ext cx="1619250" cy="247650"/>
-          </a:xfrm>
-          <a:prstGeom prst="rect">
-            <a:avLst/>
-          </a:prstGeom>
-          <a:noFill/>
-          <a:ln>
-            <a:noFill/>
-          </a:ln>
-          <a:extLst>
-            <a:ext uri="{909E8E84-426E-40DD-AFC4-6F175D3DCCD1}">
-              <a14:hiddenFill xmlns:a14="http://schemas.microsoft.com/office/drawing/2010/main">
-                <a:solidFill>
-                  <a:schemeClr val="accent1"/>
-                </a:solidFill>
-              </a14:hiddenFill>
-            </a:ext>
-            <a:ext uri="{91240B29-F687-4F45-9708-019B960494DF}">
-              <a14:hiddenLine xmlns:a14="http://schemas.microsoft.com/office/drawing/2010/main" w="9525">
-                <a:solidFill>
-                  <a:schemeClr val="tx1"/>
-                </a:solidFill>
-                <a:miter lim="800000"/>
-                <a:headEnd/>
-                <a:tailEnd/>
-              </a14:hiddenLine>
-            </a:ext>
-          </a:extLst>
-        </p:spPr>
-      </p:pic>
-      <p:pic>
-        <p:nvPicPr>
-          <p:cNvPr id="14" name="Picture 2"/>
-          <p:cNvPicPr>
-            <a:picLocks noChangeAspect="1" noChangeArrowheads="1"/>
-          </p:cNvPicPr>
-          <p:nvPr/>
-        </p:nvPicPr>
-        <p:blipFill>
-          <a:blip r:embed="rId6">
-            <a:extLst>
-              <a:ext uri="{28A0092B-C50C-407E-A947-70E740481C1C}">
-                <a14:useLocalDpi xmlns:a14="http://schemas.microsoft.com/office/drawing/2010/main" val="0"/>
-              </a:ext>
-            </a:extLst>
-          </a:blip>
-          <a:srcRect/>
-          <a:stretch>
-            <a:fillRect/>
-          </a:stretch>
-        </p:blipFill>
-        <p:spPr bwMode="auto">
-          <a:xfrm>
-            <a:off x="1564034" y="3457920"/>
-            <a:ext cx="6105525" cy="390525"/>
-          </a:xfrm>
-          <a:prstGeom prst="rect">
-            <a:avLst/>
-          </a:prstGeom>
-          <a:noFill/>
-          <a:ln>
-            <a:noFill/>
-          </a:ln>
-          <a:extLst>
-            <a:ext uri="{909E8E84-426E-40DD-AFC4-6F175D3DCCD1}">
-              <a14:hiddenFill xmlns:a14="http://schemas.microsoft.com/office/drawing/2010/main">
-                <a:solidFill>
-                  <a:schemeClr val="accent1"/>
-                </a:solidFill>
-              </a14:hiddenFill>
-            </a:ext>
-            <a:ext uri="{91240B29-F687-4F45-9708-019B960494DF}">
-              <a14:hiddenLine xmlns:a14="http://schemas.microsoft.com/office/drawing/2010/main" w="9525">
-                <a:solidFill>
-                  <a:schemeClr val="tx1"/>
-                </a:solidFill>
-                <a:miter lim="800000"/>
-                <a:headEnd/>
-                <a:tailEnd/>
-              </a14:hiddenLine>
-            </a:ext>
-          </a:extLst>
-        </p:spPr>
-      </p:pic>
-      <p:sp>
-        <p:nvSpPr>
-          <p:cNvPr id="15" name="TextBox 14"/>
-          <p:cNvSpPr txBox="1"/>
-          <p:nvPr/>
-        </p:nvSpPr>
-        <p:spPr>
-          <a:xfrm>
-            <a:off x="728365" y="4137207"/>
-            <a:ext cx="7704856" cy="1754326"/>
-          </a:xfrm>
-          <a:prstGeom prst="rect">
-            <a:avLst/>
-          </a:prstGeom>
-          <a:noFill/>
-        </p:spPr>
-        <p:txBody>
-          <a:bodyPr wrap="square" rtlCol="0">
-            <a:spAutoFit/>
-          </a:bodyPr>
-          <a:lstStyle/>
-          <a:p>
-            <a:pPr marL="285750" indent="-285750">
-              <a:buFont typeface="Arial" panose="020B0604020202020204" pitchFamily="34" charset="0"/>
-              <a:buChar char="•"/>
-            </a:pPr>
-            <a:r>
-              <a:rPr lang="en-US" altLang="zh-CN" dirty="0"/>
-              <a:t>At test </a:t>
-            </a:r>
-            <a:r>
-              <a:rPr lang="en-US" altLang="zh-CN" dirty="0" smtClean="0"/>
-              <a:t>time,  </a:t>
-            </a:r>
-            <a:r>
-              <a:rPr lang="en-US" altLang="zh-CN" dirty="0"/>
-              <a:t>multiply the conditional class </a:t>
-            </a:r>
-            <a:r>
-              <a:rPr lang="en-US" altLang="zh-CN" dirty="0" smtClean="0"/>
-              <a:t>probabilities and </a:t>
-            </a:r>
-            <a:r>
-              <a:rPr lang="en-US" altLang="zh-CN" dirty="0"/>
-              <a:t>the individual box confidence </a:t>
-            </a:r>
-            <a:r>
-              <a:rPr lang="en-US" altLang="zh-CN" dirty="0" smtClean="0"/>
-              <a:t>predictions, giving </a:t>
-            </a:r>
-            <a:r>
-              <a:rPr lang="en-US" altLang="zh-CN" dirty="0" smtClean="0"/>
-              <a:t>class-specific </a:t>
-            </a:r>
-            <a:r>
-              <a:rPr lang="en-US" altLang="zh-CN" dirty="0"/>
-              <a:t>confidence scores for </a:t>
-            </a:r>
-            <a:r>
-              <a:rPr lang="en-US" altLang="zh-CN" dirty="0" smtClean="0"/>
-              <a:t>each box</a:t>
-            </a:r>
-          </a:p>
-          <a:p>
-            <a:pPr marL="285750" indent="-285750">
-              <a:buFont typeface="Arial" panose="020B0604020202020204" pitchFamily="34" charset="0"/>
-              <a:buChar char="•"/>
-            </a:pPr>
-            <a:r>
-              <a:rPr lang="en-US" altLang="zh-CN" dirty="0" smtClean="0"/>
-              <a:t>Showing </a:t>
-            </a:r>
-            <a:r>
-              <a:rPr lang="en-US" altLang="zh-CN" dirty="0" smtClean="0"/>
-              <a:t>both </a:t>
-            </a:r>
-            <a:r>
-              <a:rPr lang="en-US" altLang="zh-CN" dirty="0"/>
-              <a:t>the probability of that </a:t>
-            </a:r>
-            <a:r>
-              <a:rPr lang="en-US" altLang="zh-CN" dirty="0" smtClean="0"/>
-              <a:t>class appearing </a:t>
-            </a:r>
-            <a:r>
-              <a:rPr lang="en-US" altLang="zh-CN" dirty="0"/>
-              <a:t>in the box and how well the predicted box fits </a:t>
-            </a:r>
-            <a:r>
-              <a:rPr lang="en-US" altLang="zh-CN" dirty="0" smtClean="0"/>
-              <a:t>the object</a:t>
-            </a:r>
-          </a:p>
-          <a:p>
-            <a:pPr marL="285750" indent="-285750">
-              <a:buFont typeface="Arial" panose="020B0604020202020204" pitchFamily="34" charset="0"/>
-              <a:buChar char="•"/>
-            </a:pPr>
-            <a:endParaRPr lang="zh-CN" altLang="en-US" dirty="0"/>
-          </a:p>
-        </p:txBody>
-      </p:sp>
     </p:spTree>
     <p:extLst>
       <p:ext uri="{BB962C8B-B14F-4D97-AF65-F5344CB8AC3E}">
-        <p14:creationId xmlns:p14="http://schemas.microsoft.com/office/powerpoint/2010/main" val="2013733975"/>
+        <p14:creationId xmlns:p14="http://schemas.microsoft.com/office/powerpoint/2010/main" val="766221268"/>
       </p:ext>
     </p:extLst>
   </p:cSld>
@@ -5815,7 +6578,7 @@
     <p:bg>
       <p:bgPr>
         <a:blipFill dpi="0" rotWithShape="0">
-          <a:blip r:embed="rId2"/>
+          <a:blip r:embed="rId3"/>
           <a:srcRect/>
           <a:stretch>
             <a:fillRect/>
@@ -5923,25 +6686,7 @@
                 </a:solidFill>
                 <a:latin typeface="Myriad Pro"/>
               </a:rPr>
-              <a:t>SSD – Single Shot </a:t>
-            </a:r>
-            <a:r>
-              <a:rPr lang="en-US" sz="2400" dirty="0" err="1" smtClean="0">
-                <a:solidFill>
-                  <a:schemeClr val="bg1"/>
-                </a:solidFill>
-                <a:latin typeface="Myriad Pro"/>
-              </a:rPr>
-              <a:t>Multibox</a:t>
-            </a:r>
-            <a:r>
-              <a:rPr lang="en-US" sz="2400" dirty="0" smtClean="0">
-                <a:solidFill>
-                  <a:schemeClr val="bg1"/>
-                </a:solidFill>
-                <a:latin typeface="Myriad Pro"/>
-              </a:rPr>
-              <a:t> Detector</a:t>
+              <a:t>Faster R-CNN</a:t>
             </a:r>
             <a:endParaRPr lang="en-US" sz="2400" dirty="0">
               <a:solidFill>
@@ -6093,18 +6838,84 @@
           </a:p>
         </p:txBody>
       </p:sp>
-      <p:sp>
-        <p:nvSpPr>
-          <p:cNvPr id="14346" name="Rectangle 12"/>
-          <p:cNvSpPr>
-            <a:spLocks noChangeArrowheads="1"/>
+      <p:pic>
+        <p:nvPicPr>
+          <p:cNvPr id="2" name="Рисунок 1"/>
+          <p:cNvPicPr>
+            <a:picLocks noChangeAspect="1"/>
+          </p:cNvPicPr>
+          <p:nvPr/>
+        </p:nvPicPr>
+        <p:blipFill>
+          <a:blip r:embed="rId4"/>
+          <a:stretch>
+            <a:fillRect/>
+          </a:stretch>
+        </p:blipFill>
+        <p:spPr>
+          <a:xfrm>
+            <a:off x="379663" y="1924096"/>
+            <a:ext cx="8479492" cy="3008852"/>
+          </a:xfrm>
+          <a:prstGeom prst="rect">
+            <a:avLst/>
+          </a:prstGeom>
+        </p:spPr>
+      </p:pic>
+    </p:spTree>
+    <p:extLst>
+      <p:ext uri="{BB962C8B-B14F-4D97-AF65-F5344CB8AC3E}">
+        <p14:creationId xmlns:p14="http://schemas.microsoft.com/office/powerpoint/2010/main" val="474116425"/>
+      </p:ext>
+    </p:extLst>
+  </p:cSld>
+  <p:clrMapOvr>
+    <a:masterClrMapping/>
+  </p:clrMapOvr>
+</p:sld>
+</file>
+
+<file path=ppt/slides/slide4.xml><?xml version="1.0" encoding="utf-8"?>
+<p:sld xmlns:a="http://schemas.openxmlformats.org/drawingml/2006/main" xmlns:r="http://schemas.openxmlformats.org/officeDocument/2006/relationships" xmlns:p="http://schemas.openxmlformats.org/presentationml/2006/main">
+  <p:cSld>
+    <p:bg>
+      <p:bgPr>
+        <a:blipFill dpi="0" rotWithShape="0">
+          <a:blip r:embed="rId3"/>
+          <a:srcRect/>
+          <a:stretch>
+            <a:fillRect/>
+          </a:stretch>
+        </a:blipFill>
+        <a:effectLst/>
+      </p:bgPr>
+    </p:bg>
+    <p:spTree>
+      <p:nvGrpSpPr>
+        <p:cNvPr id="1" name=""/>
+        <p:cNvGrpSpPr/>
+        <p:nvPr/>
+      </p:nvGrpSpPr>
+      <p:grpSpPr>
+        <a:xfrm>
+          <a:off x="0" y="0"/>
+          <a:ext cx="0" cy="0"/>
+          <a:chOff x="0" y="0"/>
+          <a:chExt cx="0" cy="0"/>
+        </a:xfrm>
+      </p:grpSpPr>
+      <p:sp>
+        <p:nvSpPr>
+          <p:cNvPr id="14338" name="Subtitle 2"/>
+          <p:cNvSpPr txBox="1">
+            <a:spLocks/>
           </p:cNvSpPr>
           <p:nvPr/>
         </p:nvSpPr>
         <p:spPr bwMode="auto">
           <a:xfrm>
-            <a:off x="222250" y="1479550"/>
-            <a:ext cx="8702294" cy="707886"/>
+            <a:off x="255588" y="6415088"/>
+            <a:ext cx="4143375" cy="246062"/>
           </a:xfrm>
           <a:prstGeom prst="rect">
             <a:avLst/>
@@ -6118,40 +6929,323 @@
           </a:ln>
         </p:spPr>
         <p:txBody>
+          <a:bodyPr/>
+          <a:lstStyle/>
+          <a:p>
+            <a:pPr>
+              <a:spcBef>
+                <a:spcPct val="20000"/>
+              </a:spcBef>
+            </a:pPr>
+            <a:r>
+              <a:rPr lang="ru-RU" sz="800" dirty="0">
+                <a:solidFill>
+                  <a:schemeClr val="bg1"/>
+                </a:solidFill>
+              </a:rPr>
+              <a:t>Высшая школа экономики, Нижний Новгород, 2017</a:t>
+            </a:r>
+            <a:endParaRPr kumimoji="1" lang="ru-RU" sz="800" dirty="0">
+              <a:solidFill>
+                <a:schemeClr val="bg1"/>
+              </a:solidFill>
+              <a:latin typeface="Myriad Pro"/>
+            </a:endParaRPr>
+          </a:p>
+        </p:txBody>
+      </p:sp>
+      <p:sp>
+        <p:nvSpPr>
+          <p:cNvPr id="14339" name="Title 1"/>
+          <p:cNvSpPr txBox="1">
+            <a:spLocks/>
+          </p:cNvSpPr>
+          <p:nvPr/>
+        </p:nvSpPr>
+        <p:spPr bwMode="auto">
+          <a:xfrm>
+            <a:off x="1428750" y="428625"/>
+            <a:ext cx="7312914" cy="412750"/>
+          </a:xfrm>
+          <a:prstGeom prst="rect">
+            <a:avLst/>
+          </a:prstGeom>
+          <a:noFill/>
+          <a:ln w="9525">
+            <a:noFill/>
+            <a:miter lim="800000"/>
+            <a:headEnd/>
+            <a:tailEnd/>
+          </a:ln>
+        </p:spPr>
+        <p:txBody>
+          <a:bodyPr anchor="ctr"/>
+          <a:lstStyle/>
+          <a:p>
+            <a:r>
+              <a:rPr lang="en-US" sz="2400" dirty="0" smtClean="0">
+                <a:solidFill>
+                  <a:schemeClr val="bg1"/>
+                </a:solidFill>
+                <a:latin typeface="Myriad Pro"/>
+              </a:rPr>
+              <a:t>Faster R-CNN</a:t>
+            </a:r>
+            <a:endParaRPr lang="en-US" sz="2400" dirty="0">
+              <a:solidFill>
+                <a:schemeClr val="bg1"/>
+              </a:solidFill>
+              <a:latin typeface="Myriad Pro"/>
+            </a:endParaRPr>
+          </a:p>
+        </p:txBody>
+      </p:sp>
+      <p:sp>
+        <p:nvSpPr>
+          <p:cNvPr id="14343" name="Rectangle 9"/>
+          <p:cNvSpPr>
+            <a:spLocks noChangeArrowheads="1"/>
+          </p:cNvSpPr>
+          <p:nvPr/>
+        </p:nvSpPr>
+        <p:spPr bwMode="auto">
+          <a:xfrm>
+            <a:off x="7300913" y="2255838"/>
+            <a:ext cx="674687" cy="369887"/>
+          </a:xfrm>
+          <a:prstGeom prst="rect">
+            <a:avLst/>
+          </a:prstGeom>
+          <a:noFill/>
+          <a:ln w="9525">
+            <a:noFill/>
+            <a:miter lim="800000"/>
+            <a:headEnd/>
+            <a:tailEnd/>
+          </a:ln>
+        </p:spPr>
+        <p:txBody>
+          <a:bodyPr wrap="none">
+            <a:spAutoFit/>
+          </a:bodyPr>
+          <a:lstStyle/>
+          <a:p>
+            <a:r>
+              <a:rPr lang="ru-RU" dirty="0">
+                <a:solidFill>
+                  <a:srgbClr val="FFFFFF"/>
+                </a:solidFill>
+                <a:latin typeface="Myriad Pro"/>
+              </a:rPr>
+              <a:t>фото</a:t>
+            </a:r>
+            <a:endParaRPr lang="en-US" dirty="0">
+              <a:solidFill>
+                <a:srgbClr val="FFFFFF"/>
+              </a:solidFill>
+            </a:endParaRPr>
+          </a:p>
+        </p:txBody>
+      </p:sp>
+      <p:sp>
+        <p:nvSpPr>
+          <p:cNvPr id="14344" name="Rectangle 10"/>
+          <p:cNvSpPr>
+            <a:spLocks noChangeArrowheads="1"/>
+          </p:cNvSpPr>
+          <p:nvPr/>
+        </p:nvSpPr>
+        <p:spPr bwMode="auto">
+          <a:xfrm>
+            <a:off x="7300913" y="3967163"/>
+            <a:ext cx="674687" cy="368300"/>
+          </a:xfrm>
+          <a:prstGeom prst="rect">
+            <a:avLst/>
+          </a:prstGeom>
+          <a:noFill/>
+          <a:ln w="9525">
+            <a:noFill/>
+            <a:miter lim="800000"/>
+            <a:headEnd/>
+            <a:tailEnd/>
+          </a:ln>
+        </p:spPr>
+        <p:txBody>
+          <a:bodyPr wrap="none">
+            <a:spAutoFit/>
+          </a:bodyPr>
+          <a:lstStyle/>
+          <a:p>
+            <a:r>
+              <a:rPr lang="ru-RU">
+                <a:solidFill>
+                  <a:srgbClr val="FFFFFF"/>
+                </a:solidFill>
+                <a:latin typeface="Myriad Pro"/>
+              </a:rPr>
+              <a:t>фото</a:t>
+            </a:r>
+            <a:endParaRPr lang="en-US">
+              <a:solidFill>
+                <a:srgbClr val="FFFFFF"/>
+              </a:solidFill>
+            </a:endParaRPr>
+          </a:p>
+        </p:txBody>
+      </p:sp>
+      <p:sp>
+        <p:nvSpPr>
+          <p:cNvPr id="14345" name="Rectangle 11"/>
+          <p:cNvSpPr>
+            <a:spLocks noChangeArrowheads="1"/>
+          </p:cNvSpPr>
+          <p:nvPr/>
+        </p:nvSpPr>
+        <p:spPr bwMode="auto">
+          <a:xfrm>
+            <a:off x="7300913" y="5591175"/>
+            <a:ext cx="674687" cy="369888"/>
+          </a:xfrm>
+          <a:prstGeom prst="rect">
+            <a:avLst/>
+          </a:prstGeom>
+          <a:noFill/>
+          <a:ln w="9525">
+            <a:noFill/>
+            <a:miter lim="800000"/>
+            <a:headEnd/>
+            <a:tailEnd/>
+          </a:ln>
+        </p:spPr>
+        <p:txBody>
+          <a:bodyPr wrap="none">
+            <a:spAutoFit/>
+          </a:bodyPr>
+          <a:lstStyle/>
+          <a:p>
+            <a:r>
+              <a:rPr lang="ru-RU">
+                <a:solidFill>
+                  <a:srgbClr val="FFFFFF"/>
+                </a:solidFill>
+                <a:latin typeface="Myriad Pro"/>
+              </a:rPr>
+              <a:t>фото</a:t>
+            </a:r>
+            <a:endParaRPr lang="en-US">
+              <a:solidFill>
+                <a:srgbClr val="FFFFFF"/>
+              </a:solidFill>
+            </a:endParaRPr>
+          </a:p>
+        </p:txBody>
+      </p:sp>
+      <p:pic>
+        <p:nvPicPr>
+          <p:cNvPr id="1026" name="Picture 2" descr="https://cdn-images-1.medium.com/max/1600/0*_nNI03ESXm2P6YXO."/>
+          <p:cNvPicPr>
+            <a:picLocks noChangeAspect="1" noChangeArrowheads="1"/>
+          </p:cNvPicPr>
+          <p:nvPr/>
+        </p:nvPicPr>
+        <p:blipFill>
+          <a:blip r:embed="rId4">
+            <a:extLst>
+              <a:ext uri="{28A0092B-C50C-407E-A947-70E740481C1C}">
+                <a14:useLocalDpi xmlns:a14="http://schemas.microsoft.com/office/drawing/2010/main" val="0"/>
+              </a:ext>
+            </a:extLst>
+          </a:blip>
+          <a:srcRect/>
+          <a:stretch>
+            <a:fillRect/>
+          </a:stretch>
+        </p:blipFill>
+        <p:spPr bwMode="auto">
+          <a:xfrm>
+            <a:off x="626344" y="1720515"/>
+            <a:ext cx="4162224" cy="4098191"/>
+          </a:xfrm>
+          <a:prstGeom prst="rect">
+            <a:avLst/>
+          </a:prstGeom>
+          <a:noFill/>
+          <a:extLst>
+            <a:ext uri="{909E8E84-426E-40DD-AFC4-6F175D3DCCD1}">
+              <a14:hiddenFill xmlns:a14="http://schemas.microsoft.com/office/drawing/2010/main">
+                <a:solidFill>
+                  <a:srgbClr val="FFFFFF"/>
+                </a:solidFill>
+              </a14:hiddenFill>
+            </a:ext>
+          </a:extLst>
+        </p:spPr>
+      </p:pic>
+      <p:sp>
+        <p:nvSpPr>
+          <p:cNvPr id="3" name="Прямоугольник 2"/>
+          <p:cNvSpPr/>
+          <p:nvPr/>
+        </p:nvSpPr>
+        <p:spPr>
+          <a:xfrm>
+            <a:off x="5241617" y="1897856"/>
+            <a:ext cx="3399643" cy="3693319"/>
+          </a:xfrm>
+          <a:prstGeom prst="rect">
+            <a:avLst/>
+          </a:prstGeom>
+        </p:spPr>
+        <p:txBody>
           <a:bodyPr wrap="square">
             <a:spAutoFit/>
           </a:bodyPr>
           <a:lstStyle/>
           <a:p>
             <a:r>
-              <a:rPr lang="en-US" sz="2400" b="1" dirty="0" smtClean="0">
-                <a:solidFill>
-                  <a:srgbClr val="003F82"/>
-                </a:solidFill>
-              </a:rPr>
-              <a:t>Advantages</a:t>
-            </a:r>
-            <a:r>
-              <a:rPr lang="ru-RU" sz="2000" dirty="0">
-                <a:solidFill>
-                  <a:srgbClr val="003F82"/>
-                </a:solidFill>
-              </a:rPr>
-              <a:t/>
-            </a:r>
-            <a:br>
-              <a:rPr lang="ru-RU" sz="2000" dirty="0">
-                <a:solidFill>
-                  <a:srgbClr val="003F82"/>
-                </a:solidFill>
-              </a:rPr>
-            </a:br>
-            <a:endParaRPr lang="ru-RU" sz="1600" dirty="0">
-              <a:solidFill>
-                <a:srgbClr val="003F82"/>
-              </a:solidFill>
-              <a:latin typeface="Myriad Pro"/>
-            </a:endParaRPr>
+              <a:rPr lang="en-US" dirty="0">
+                <a:latin typeface="medium-content-serif-font"/>
+              </a:rPr>
+              <a:t>The insight of Faster </a:t>
+            </a:r>
+            <a:r>
+              <a:rPr lang="en-US" dirty="0" smtClean="0">
+                <a:latin typeface="medium-content-serif-font"/>
+              </a:rPr>
+              <a:t>R-CNN: region </a:t>
+            </a:r>
+            <a:r>
+              <a:rPr lang="en-US" dirty="0">
+                <a:latin typeface="medium-content-serif-font"/>
+              </a:rPr>
+              <a:t>proposals </a:t>
+            </a:r>
+            <a:r>
+              <a:rPr lang="en-US" dirty="0" smtClean="0">
+                <a:latin typeface="medium-content-serif-font"/>
+              </a:rPr>
+              <a:t>depend </a:t>
+            </a:r>
+            <a:r>
+              <a:rPr lang="en-US" dirty="0">
+                <a:latin typeface="medium-content-serif-font"/>
+              </a:rPr>
+              <a:t>on features of the image that were already calculated with the forward pass of the CNN (first step of classification). So why not reuse those same CNN results for region proposals instead of running a separate selective search algorithm</a:t>
+            </a:r>
+            <a:r>
+              <a:rPr lang="en-US" dirty="0" smtClean="0">
+                <a:latin typeface="medium-content-serif-font"/>
+              </a:rPr>
+              <a:t>?</a:t>
+            </a:r>
+          </a:p>
+          <a:p>
+            <a:r>
+              <a:rPr lang="en-US" dirty="0"/>
+              <a:t>This way, only one CNN needs to be trained and we get region proposals almost for free!</a:t>
+            </a:r>
+            <a:endParaRPr lang="ru-RU" dirty="0"/>
           </a:p>
         </p:txBody>
       </p:sp>
@@ -6168,7 +7262,7 @@
 </p:sld>
 </file>
 
-<file path=ppt/slides/slide4.xml><?xml version="1.0" encoding="utf-8"?>
+<file path=ppt/slides/slide5.xml><?xml version="1.0" encoding="utf-8"?>
 <p:sld xmlns:a="http://schemas.openxmlformats.org/drawingml/2006/main" xmlns:r="http://schemas.openxmlformats.org/officeDocument/2006/relationships" xmlns:p="http://schemas.openxmlformats.org/presentationml/2006/main">
   <p:cSld>
     <p:bg>
@@ -6685,7 +7779,7 @@
 </p:sld>
 </file>
 
-<file path=ppt/slides/slide5.xml><?xml version="1.0" encoding="utf-8"?>
+<file path=ppt/slides/slide6.xml><?xml version="1.0" encoding="utf-8"?>
 <p:sld xmlns:a="http://schemas.openxmlformats.org/drawingml/2006/main" xmlns:r="http://schemas.openxmlformats.org/officeDocument/2006/relationships" xmlns:p="http://schemas.openxmlformats.org/presentationml/2006/main">
   <p:cSld>
     <p:bg>
@@ -7064,7 +8158,6 @@
               <a:rPr lang="en-US" altLang="zh-CN" dirty="0"/>
               <a:t>The feed-forward convolutional network produces a fixed-size collection of bounding boxes and scores for the presence of object class in those boxes</a:t>
             </a:r>
-            <a:endParaRPr lang="en-US" altLang="zh-CN" dirty="0"/>
           </a:p>
         </p:txBody>
       </p:sp>
@@ -7088,7 +8181,7 @@
 </p:sld>
 </file>
 
-<file path=ppt/slides/slide6.xml><?xml version="1.0" encoding="utf-8"?>
+<file path=ppt/slides/slide7.xml><?xml version="1.0" encoding="utf-8"?>
 <p:sld xmlns:a="http://schemas.openxmlformats.org/drawingml/2006/main" xmlns:r="http://schemas.openxmlformats.org/officeDocument/2006/relationships" xmlns:p="http://schemas.openxmlformats.org/presentationml/2006/main">
   <p:cSld>
     <p:bg>
@@ -7466,389 +8559,6 @@
     <p:extLst>
       <p:ext uri="{BB962C8B-B14F-4D97-AF65-F5344CB8AC3E}">
         <p14:creationId xmlns:p14="http://schemas.microsoft.com/office/powerpoint/2010/main" val="1250442322"/>
-      </p:ext>
-    </p:extLst>
-  </p:cSld>
-  <p:clrMapOvr>
-    <a:masterClrMapping/>
-  </p:clrMapOvr>
-</p:sld>
-</file>
-
-<file path=ppt/slides/slide7.xml><?xml version="1.0" encoding="utf-8"?>
-<p:sld xmlns:a="http://schemas.openxmlformats.org/drawingml/2006/main" xmlns:r="http://schemas.openxmlformats.org/officeDocument/2006/relationships" xmlns:p="http://schemas.openxmlformats.org/presentationml/2006/main">
-  <p:cSld>
-    <p:bg>
-      <p:bgPr>
-        <a:blipFill dpi="0" rotWithShape="0">
-          <a:blip r:embed="rId3"/>
-          <a:srcRect/>
-          <a:stretch>
-            <a:fillRect/>
-          </a:stretch>
-        </a:blipFill>
-        <a:effectLst/>
-      </p:bgPr>
-    </p:bg>
-    <p:spTree>
-      <p:nvGrpSpPr>
-        <p:cNvPr id="1" name=""/>
-        <p:cNvGrpSpPr/>
-        <p:nvPr/>
-      </p:nvGrpSpPr>
-      <p:grpSpPr>
-        <a:xfrm>
-          <a:off x="0" y="0"/>
-          <a:ext cx="0" cy="0"/>
-          <a:chOff x="0" y="0"/>
-          <a:chExt cx="0" cy="0"/>
-        </a:xfrm>
-      </p:grpSpPr>
-      <p:sp>
-        <p:nvSpPr>
-          <p:cNvPr id="14338" name="Subtitle 2"/>
-          <p:cNvSpPr txBox="1">
-            <a:spLocks/>
-          </p:cNvSpPr>
-          <p:nvPr/>
-        </p:nvSpPr>
-        <p:spPr bwMode="auto">
-          <a:xfrm>
-            <a:off x="255588" y="6415088"/>
-            <a:ext cx="4143375" cy="246062"/>
-          </a:xfrm>
-          <a:prstGeom prst="rect">
-            <a:avLst/>
-          </a:prstGeom>
-          <a:noFill/>
-          <a:ln w="9525">
-            <a:noFill/>
-            <a:miter lim="800000"/>
-            <a:headEnd/>
-            <a:tailEnd/>
-          </a:ln>
-        </p:spPr>
-        <p:txBody>
-          <a:bodyPr/>
-          <a:lstStyle/>
-          <a:p>
-            <a:pPr>
-              <a:spcBef>
-                <a:spcPct val="20000"/>
-              </a:spcBef>
-            </a:pPr>
-            <a:r>
-              <a:rPr lang="ru-RU" sz="800" dirty="0">
-                <a:solidFill>
-                  <a:schemeClr val="bg1"/>
-                </a:solidFill>
-              </a:rPr>
-              <a:t>Высшая школа экономики, Нижний Новгород, 2017</a:t>
-            </a:r>
-            <a:endParaRPr kumimoji="1" lang="ru-RU" sz="800" dirty="0">
-              <a:solidFill>
-                <a:schemeClr val="bg1"/>
-              </a:solidFill>
-              <a:latin typeface="Myriad Pro"/>
-            </a:endParaRPr>
-          </a:p>
-        </p:txBody>
-      </p:sp>
-      <p:sp>
-        <p:nvSpPr>
-          <p:cNvPr id="14339" name="Title 1"/>
-          <p:cNvSpPr txBox="1">
-            <a:spLocks/>
-          </p:cNvSpPr>
-          <p:nvPr/>
-        </p:nvSpPr>
-        <p:spPr bwMode="auto">
-          <a:xfrm>
-            <a:off x="1428750" y="428625"/>
-            <a:ext cx="7312914" cy="412750"/>
-          </a:xfrm>
-          <a:prstGeom prst="rect">
-            <a:avLst/>
-          </a:prstGeom>
-          <a:noFill/>
-          <a:ln w="9525">
-            <a:noFill/>
-            <a:miter lim="800000"/>
-            <a:headEnd/>
-            <a:tailEnd/>
-          </a:ln>
-        </p:spPr>
-        <p:txBody>
-          <a:bodyPr anchor="ctr"/>
-          <a:lstStyle/>
-          <a:p>
-            <a:r>
-              <a:rPr lang="en-US" sz="2400" dirty="0" smtClean="0">
-                <a:solidFill>
-                  <a:schemeClr val="bg1"/>
-                </a:solidFill>
-                <a:latin typeface="Myriad Pro"/>
-              </a:rPr>
-              <a:t>YOLO: Advantages</a:t>
-            </a:r>
-            <a:endParaRPr lang="en-US" sz="2400" dirty="0">
-              <a:solidFill>
-                <a:schemeClr val="bg1"/>
-              </a:solidFill>
-              <a:latin typeface="Myriad Pro"/>
-            </a:endParaRPr>
-          </a:p>
-        </p:txBody>
-      </p:sp>
-      <p:sp>
-        <p:nvSpPr>
-          <p:cNvPr id="14343" name="Rectangle 9"/>
-          <p:cNvSpPr>
-            <a:spLocks noChangeArrowheads="1"/>
-          </p:cNvSpPr>
-          <p:nvPr/>
-        </p:nvSpPr>
-        <p:spPr bwMode="auto">
-          <a:xfrm>
-            <a:off x="7300913" y="2255838"/>
-            <a:ext cx="674687" cy="369887"/>
-          </a:xfrm>
-          <a:prstGeom prst="rect">
-            <a:avLst/>
-          </a:prstGeom>
-          <a:noFill/>
-          <a:ln w="9525">
-            <a:noFill/>
-            <a:miter lim="800000"/>
-            <a:headEnd/>
-            <a:tailEnd/>
-          </a:ln>
-        </p:spPr>
-        <p:txBody>
-          <a:bodyPr wrap="none">
-            <a:spAutoFit/>
-          </a:bodyPr>
-          <a:lstStyle/>
-          <a:p>
-            <a:r>
-              <a:rPr lang="ru-RU" dirty="0">
-                <a:solidFill>
-                  <a:srgbClr val="FFFFFF"/>
-                </a:solidFill>
-                <a:latin typeface="Myriad Pro"/>
-              </a:rPr>
-              <a:t>фото</a:t>
-            </a:r>
-            <a:endParaRPr lang="en-US" dirty="0">
-              <a:solidFill>
-                <a:srgbClr val="FFFFFF"/>
-              </a:solidFill>
-            </a:endParaRPr>
-          </a:p>
-        </p:txBody>
-      </p:sp>
-      <p:sp>
-        <p:nvSpPr>
-          <p:cNvPr id="14344" name="Rectangle 10"/>
-          <p:cNvSpPr>
-            <a:spLocks noChangeArrowheads="1"/>
-          </p:cNvSpPr>
-          <p:nvPr/>
-        </p:nvSpPr>
-        <p:spPr bwMode="auto">
-          <a:xfrm>
-            <a:off x="7300913" y="3967163"/>
-            <a:ext cx="674687" cy="368300"/>
-          </a:xfrm>
-          <a:prstGeom prst="rect">
-            <a:avLst/>
-          </a:prstGeom>
-          <a:noFill/>
-          <a:ln w="9525">
-            <a:noFill/>
-            <a:miter lim="800000"/>
-            <a:headEnd/>
-            <a:tailEnd/>
-          </a:ln>
-        </p:spPr>
-        <p:txBody>
-          <a:bodyPr wrap="none">
-            <a:spAutoFit/>
-          </a:bodyPr>
-          <a:lstStyle/>
-          <a:p>
-            <a:r>
-              <a:rPr lang="ru-RU">
-                <a:solidFill>
-                  <a:srgbClr val="FFFFFF"/>
-                </a:solidFill>
-                <a:latin typeface="Myriad Pro"/>
-              </a:rPr>
-              <a:t>фото</a:t>
-            </a:r>
-            <a:endParaRPr lang="en-US">
-              <a:solidFill>
-                <a:srgbClr val="FFFFFF"/>
-              </a:solidFill>
-            </a:endParaRPr>
-          </a:p>
-        </p:txBody>
-      </p:sp>
-      <p:sp>
-        <p:nvSpPr>
-          <p:cNvPr id="14345" name="Rectangle 11"/>
-          <p:cNvSpPr>
-            <a:spLocks noChangeArrowheads="1"/>
-          </p:cNvSpPr>
-          <p:nvPr/>
-        </p:nvSpPr>
-        <p:spPr bwMode="auto">
-          <a:xfrm>
-            <a:off x="7300913" y="5591175"/>
-            <a:ext cx="674687" cy="369888"/>
-          </a:xfrm>
-          <a:prstGeom prst="rect">
-            <a:avLst/>
-          </a:prstGeom>
-          <a:noFill/>
-          <a:ln w="9525">
-            <a:noFill/>
-            <a:miter lim="800000"/>
-            <a:headEnd/>
-            <a:tailEnd/>
-          </a:ln>
-        </p:spPr>
-        <p:txBody>
-          <a:bodyPr wrap="none">
-            <a:spAutoFit/>
-          </a:bodyPr>
-          <a:lstStyle/>
-          <a:p>
-            <a:r>
-              <a:rPr lang="ru-RU">
-                <a:solidFill>
-                  <a:srgbClr val="FFFFFF"/>
-                </a:solidFill>
-                <a:latin typeface="Myriad Pro"/>
-              </a:rPr>
-              <a:t>фото</a:t>
-            </a:r>
-            <a:endParaRPr lang="en-US">
-              <a:solidFill>
-                <a:srgbClr val="FFFFFF"/>
-              </a:solidFill>
-            </a:endParaRPr>
-          </a:p>
-        </p:txBody>
-      </p:sp>
-      <p:sp>
-        <p:nvSpPr>
-          <p:cNvPr id="14346" name="Rectangle 12"/>
-          <p:cNvSpPr>
-            <a:spLocks noChangeArrowheads="1"/>
-          </p:cNvSpPr>
-          <p:nvPr/>
-        </p:nvSpPr>
-        <p:spPr bwMode="auto">
-          <a:xfrm>
-            <a:off x="222250" y="1471008"/>
-            <a:ext cx="8702294" cy="3416320"/>
-          </a:xfrm>
-          <a:prstGeom prst="rect">
-            <a:avLst/>
-          </a:prstGeom>
-          <a:noFill/>
-          <a:ln w="9525">
-            <a:noFill/>
-            <a:miter lim="800000"/>
-            <a:headEnd/>
-            <a:tailEnd/>
-          </a:ln>
-        </p:spPr>
-        <p:txBody>
-          <a:bodyPr wrap="square">
-            <a:spAutoFit/>
-          </a:bodyPr>
-          <a:lstStyle/>
-          <a:p>
-            <a:r>
-              <a:rPr lang="en-US" sz="2400" dirty="0" smtClean="0"/>
-              <a:t>Advantages </a:t>
-            </a:r>
-            <a:r>
-              <a:rPr lang="en-US" sz="2400" dirty="0"/>
-              <a:t>over classifier-based </a:t>
-            </a:r>
-            <a:r>
-              <a:rPr lang="en-US" sz="2400" dirty="0" smtClean="0"/>
-              <a:t>systems:</a:t>
-            </a:r>
-          </a:p>
-          <a:p>
-            <a:pPr marL="285750" indent="-285750">
-              <a:buFont typeface="Arial" panose="020B0604020202020204" pitchFamily="34" charset="0"/>
-              <a:buChar char="•"/>
-            </a:pPr>
-            <a:r>
-              <a:rPr lang="en-US" sz="2400" dirty="0" smtClean="0"/>
-              <a:t>It </a:t>
-            </a:r>
-            <a:r>
-              <a:rPr lang="en-US" sz="2400" dirty="0"/>
-              <a:t>looks at the whole image at test time so its predictions are informed by global context in the image. </a:t>
-            </a:r>
-            <a:endParaRPr lang="en-US" sz="2400" dirty="0"/>
-          </a:p>
-          <a:p>
-            <a:pPr marL="285750" indent="-285750">
-              <a:buFont typeface="Arial" panose="020B0604020202020204" pitchFamily="34" charset="0"/>
-              <a:buChar char="•"/>
-            </a:pPr>
-            <a:r>
-              <a:rPr lang="en-US" sz="2400" dirty="0" smtClean="0"/>
-              <a:t>Makes </a:t>
-            </a:r>
-            <a:r>
-              <a:rPr lang="en-US" sz="2400" dirty="0"/>
-              <a:t>predictions with a single network evaluation unlike systems like R-CNN which require thousands for a single image. This makes it extremely fast, more than 1000x faster than R-CNN and 100x faster than Fast R-CNN. </a:t>
-            </a:r>
-            <a:endParaRPr lang="en-US" sz="2400" dirty="0" smtClean="0"/>
-          </a:p>
-          <a:p>
-            <a:pPr marL="285750" indent="-285750">
-              <a:buFont typeface="Arial" panose="020B0604020202020204" pitchFamily="34" charset="0"/>
-              <a:buChar char="•"/>
-            </a:pPr>
-            <a:r>
-              <a:rPr lang="en-US" altLang="zh-CN" sz="2400" dirty="0"/>
-              <a:t>Maintaining  a proper accuracy </a:t>
-            </a:r>
-            <a:r>
-              <a:rPr lang="en-US" altLang="zh-CN" sz="2400" dirty="0" smtClean="0"/>
-              <a:t>range</a:t>
-            </a:r>
-          </a:p>
-          <a:p>
-            <a:pPr marL="285750" indent="-285750">
-              <a:buFont typeface="Arial" panose="020B0604020202020204" pitchFamily="34" charset="0"/>
-              <a:buChar char="•"/>
-            </a:pPr>
-            <a:r>
-              <a:rPr lang="en-US" sz="2400" dirty="0" smtClean="0"/>
-              <a:t>Able </a:t>
-            </a:r>
-            <a:r>
-              <a:rPr lang="en-US" sz="2400" dirty="0"/>
-              <a:t>to recognize a wide variety of objects</a:t>
-            </a:r>
-            <a:endParaRPr lang="en-US" altLang="zh-CN" sz="2400" dirty="0"/>
-          </a:p>
-        </p:txBody>
-      </p:sp>
-    </p:spTree>
-    <p:extLst>
-      <p:ext uri="{BB962C8B-B14F-4D97-AF65-F5344CB8AC3E}">
-        <p14:creationId xmlns:p14="http://schemas.microsoft.com/office/powerpoint/2010/main" val="1877320020"/>
       </p:ext>
     </p:extLst>
   </p:cSld>
@@ -7972,16 +8682,7 @@
                 </a:solidFill>
                 <a:latin typeface="Myriad Pro"/>
               </a:rPr>
-              <a:t>YOLO: </a:t>
-            </a:r>
-            <a:r>
-              <a:rPr lang="en-US" sz="2400" dirty="0" smtClean="0">
-                <a:solidFill>
-                  <a:schemeClr val="bg1"/>
-                </a:solidFill>
-                <a:latin typeface="Myriad Pro"/>
-              </a:rPr>
-              <a:t>How it works</a:t>
+              <a:t>YOLO: Advantages</a:t>
             </a:r>
             <a:endParaRPr lang="en-US" sz="2400" dirty="0">
               <a:solidFill>
@@ -8144,7 +8845,7 @@
         <p:spPr bwMode="auto">
           <a:xfrm>
             <a:off x="222250" y="1471008"/>
-            <a:ext cx="8702294" cy="1569660"/>
+            <a:ext cx="8702294" cy="3416320"/>
           </a:xfrm>
           <a:prstGeom prst="rect">
             <a:avLst/>
@@ -8163,90 +8864,83 @@
           </a:bodyPr>
           <a:lstStyle/>
           <a:p>
-            <a:pPr marL="342900" indent="-342900">
+            <a:r>
+              <a:rPr lang="en-US" sz="2400" dirty="0" smtClean="0"/>
+              <a:t>Advantages </a:t>
+            </a:r>
+            <a:r>
+              <a:rPr lang="en-US" sz="2400" dirty="0"/>
+              <a:t>over classifier-based </a:t>
+            </a:r>
+            <a:r>
+              <a:rPr lang="en-US" sz="2400" dirty="0" smtClean="0"/>
+              <a:t>systems:</a:t>
+            </a:r>
+          </a:p>
+          <a:p>
+            <a:pPr marL="285750" indent="-285750">
               <a:buFont typeface="Arial" panose="020B0604020202020204" pitchFamily="34" charset="0"/>
               <a:buChar char="•"/>
             </a:pPr>
             <a:r>
-              <a:rPr lang="en-US" altLang="zh-CN" sz="2400" dirty="0" smtClean="0"/>
-              <a:t>No </a:t>
-            </a:r>
-            <a:r>
-              <a:rPr lang="en-US" altLang="zh-CN" sz="2400" dirty="0"/>
-              <a:t>bounding box proposals and subsequent pixel or feature resampling stage</a:t>
-            </a:r>
-          </a:p>
-          <a:p>
-            <a:pPr marL="342900" indent="-342900">
+              <a:rPr lang="en-US" sz="2400" dirty="0" smtClean="0"/>
+              <a:t>It </a:t>
+            </a:r>
+            <a:r>
+              <a:rPr lang="en-US" sz="2400" dirty="0"/>
+              <a:t>looks at the whole image at test time so its predictions are informed by global context in the image. </a:t>
+            </a:r>
+          </a:p>
+          <a:p>
+            <a:pPr marL="285750" indent="-285750">
               <a:buFont typeface="Arial" panose="020B0604020202020204" pitchFamily="34" charset="0"/>
               <a:buChar char="•"/>
             </a:pPr>
             <a:r>
+              <a:rPr lang="en-US" sz="2400" dirty="0" smtClean="0"/>
+              <a:t>Makes </a:t>
+            </a:r>
+            <a:r>
+              <a:rPr lang="en-US" sz="2400" dirty="0"/>
+              <a:t>predictions with a single network evaluation unlike systems like R-CNN which require thousands for a single image. This makes it extremely fast, more than 1000x faster than R-CNN and 100x faster than Fast R-CNN. </a:t>
+            </a:r>
+            <a:endParaRPr lang="en-US" sz="2400" dirty="0" smtClean="0"/>
+          </a:p>
+          <a:p>
+            <a:pPr marL="285750" indent="-285750">
+              <a:buFont typeface="Arial" panose="020B0604020202020204" pitchFamily="34" charset="0"/>
+              <a:buChar char="•"/>
+            </a:pPr>
+            <a:r>
               <a:rPr lang="en-US" altLang="zh-CN" sz="2400" dirty="0"/>
-              <a:t>A neural network predicts bounding boxes and class probabilities directly from full images in one evaluation</a:t>
-            </a:r>
-            <a:endParaRPr lang="zh-CN" altLang="en-US" sz="2400" dirty="0"/>
-          </a:p>
-        </p:txBody>
-      </p:sp>
-      <p:pic>
-        <p:nvPicPr>
-          <p:cNvPr id="8" name="Picture 2"/>
-          <p:cNvPicPr>
-            <a:picLocks noChangeAspect="1" noChangeArrowheads="1"/>
-          </p:cNvPicPr>
-          <p:nvPr/>
-        </p:nvPicPr>
-        <p:blipFill>
-          <a:blip r:embed="rId4">
-            <a:extLst>
-              <a:ext uri="{28A0092B-C50C-407E-A947-70E740481C1C}">
-                <a14:useLocalDpi xmlns:a14="http://schemas.microsoft.com/office/drawing/2010/main" val="0"/>
-              </a:ext>
-            </a:extLst>
-          </a:blip>
-          <a:srcRect/>
-          <a:stretch>
-            <a:fillRect/>
-          </a:stretch>
-        </p:blipFill>
-        <p:spPr bwMode="auto">
-          <a:xfrm>
-            <a:off x="928688" y="3218165"/>
-            <a:ext cx="7286625" cy="3019425"/>
-          </a:xfrm>
-          <a:prstGeom prst="rect">
-            <a:avLst/>
-          </a:prstGeom>
-          <a:noFill/>
-          <a:ln>
-            <a:noFill/>
-          </a:ln>
-          <a:extLst>
-            <a:ext uri="{909E8E84-426E-40DD-AFC4-6F175D3DCCD1}">
-              <a14:hiddenFill xmlns:a14="http://schemas.microsoft.com/office/drawing/2010/main">
-                <a:solidFill>
-                  <a:schemeClr val="accent1"/>
-                </a:solidFill>
-              </a14:hiddenFill>
-            </a:ext>
-            <a:ext uri="{91240B29-F687-4F45-9708-019B960494DF}">
-              <a14:hiddenLine xmlns:a14="http://schemas.microsoft.com/office/drawing/2010/main" w="9525">
-                <a:solidFill>
-                  <a:schemeClr val="tx1"/>
-                </a:solidFill>
-                <a:miter lim="800000"/>
-                <a:headEnd/>
-                <a:tailEnd/>
-              </a14:hiddenLine>
-            </a:ext>
-          </a:extLst>
-        </p:spPr>
-      </p:pic>
+              <a:t>Maintaining  a proper accuracy </a:t>
+            </a:r>
+            <a:r>
+              <a:rPr lang="en-US" altLang="zh-CN" sz="2400" dirty="0" smtClean="0"/>
+              <a:t>range</a:t>
+            </a:r>
+          </a:p>
+          <a:p>
+            <a:pPr marL="285750" indent="-285750">
+              <a:buFont typeface="Arial" panose="020B0604020202020204" pitchFamily="34" charset="0"/>
+              <a:buChar char="•"/>
+            </a:pPr>
+            <a:r>
+              <a:rPr lang="en-US" sz="2400" dirty="0" smtClean="0"/>
+              <a:t>Able </a:t>
+            </a:r>
+            <a:r>
+              <a:rPr lang="en-US" sz="2400" dirty="0"/>
+              <a:t>to recognize a wide variety of objects</a:t>
+            </a:r>
+            <a:endParaRPr lang="en-US" altLang="zh-CN" sz="2400" dirty="0"/>
+          </a:p>
+        </p:txBody>
+      </p:sp>
     </p:spTree>
     <p:extLst>
       <p:ext uri="{BB962C8B-B14F-4D97-AF65-F5344CB8AC3E}">
-        <p14:creationId xmlns:p14="http://schemas.microsoft.com/office/powerpoint/2010/main" val="1299562727"/>
+        <p14:creationId xmlns:p14="http://schemas.microsoft.com/office/powerpoint/2010/main" val="1877320020"/>
       </p:ext>
     </p:extLst>
   </p:cSld>
@@ -8370,16 +9064,7 @@
                 </a:solidFill>
                 <a:latin typeface="Myriad Pro"/>
               </a:rPr>
-              <a:t>YOLO: </a:t>
-            </a:r>
-            <a:r>
-              <a:rPr lang="en-US" sz="2400" dirty="0" smtClean="0">
-                <a:solidFill>
-                  <a:schemeClr val="bg1"/>
-                </a:solidFill>
-                <a:latin typeface="Myriad Pro"/>
-              </a:rPr>
-              <a:t>How it works</a:t>
+              <a:t>YOLO: How it works</a:t>
             </a:r>
             <a:endParaRPr lang="en-US" sz="2400" dirty="0">
               <a:solidFill>
@@ -8542,7 +9227,7 @@
         <p:spPr bwMode="auto">
           <a:xfrm>
             <a:off x="222250" y="1471008"/>
-            <a:ext cx="8702294" cy="2246769"/>
+            <a:ext cx="8702294" cy="1569660"/>
           </a:xfrm>
           <a:prstGeom prst="rect">
             <a:avLst/>
@@ -8561,91 +9246,35 @@
           </a:bodyPr>
           <a:lstStyle/>
           <a:p>
-            <a:pPr marL="457200" indent="-457200">
+            <a:pPr marL="342900" indent="-342900">
               <a:buFont typeface="Arial" panose="020B0604020202020204" pitchFamily="34" charset="0"/>
               <a:buChar char="•"/>
             </a:pPr>
             <a:r>
-              <a:rPr lang="en-US" altLang="zh-CN" sz="2000" dirty="0" smtClean="0"/>
-              <a:t>Uses </a:t>
-            </a:r>
-            <a:r>
-              <a:rPr lang="en-US" altLang="zh-CN" sz="2000" dirty="0"/>
-              <a:t>features from the entire image to predict each bounding box</a:t>
-            </a:r>
-          </a:p>
-          <a:p>
-            <a:pPr marL="457200" indent="-457200">
+              <a:rPr lang="en-US" altLang="zh-CN" sz="2400" dirty="0" smtClean="0"/>
+              <a:t>No </a:t>
+            </a:r>
+            <a:r>
+              <a:rPr lang="en-US" altLang="zh-CN" sz="2400" dirty="0"/>
+              <a:t>bounding box proposals and subsequent pixel or feature resampling stage</a:t>
+            </a:r>
+          </a:p>
+          <a:p>
+            <a:pPr marL="342900" indent="-342900">
               <a:buFont typeface="Arial" panose="020B0604020202020204" pitchFamily="34" charset="0"/>
               <a:buChar char="•"/>
             </a:pPr>
             <a:r>
-              <a:rPr lang="en-US" altLang="zh-CN" sz="2000" dirty="0" smtClean="0"/>
-              <a:t>Divides </a:t>
-            </a:r>
-            <a:r>
-              <a:rPr lang="en-US" altLang="zh-CN" sz="2000" dirty="0"/>
-              <a:t>the input image into </a:t>
-            </a:r>
-            <a:r>
-              <a:rPr lang="en-US" altLang="zh-CN" sz="2000" dirty="0" smtClean="0"/>
-              <a:t>a grid</a:t>
-            </a:r>
-            <a:r>
-              <a:rPr lang="en-US" altLang="zh-CN" sz="2000" dirty="0"/>
-              <a:t>. If the center of an object falls into a grid cell, the cell is responsible for detecting that object.</a:t>
-            </a:r>
-          </a:p>
-          <a:p>
-            <a:pPr marL="457200" indent="-457200">
-              <a:buFont typeface="Arial" panose="020B0604020202020204" pitchFamily="34" charset="0"/>
-              <a:buChar char="•"/>
-            </a:pPr>
-            <a:r>
-              <a:rPr lang="en-US" altLang="zh-CN" sz="2000" dirty="0"/>
-              <a:t>E</a:t>
-            </a:r>
-            <a:r>
-              <a:rPr lang="en-US" altLang="zh-CN" sz="2000" dirty="0" smtClean="0"/>
-              <a:t>ach </a:t>
-            </a:r>
-            <a:r>
-              <a:rPr lang="en-US" altLang="zh-CN" sz="2000" dirty="0"/>
-              <a:t>grid cell predicts </a:t>
-            </a:r>
-            <a:r>
-              <a:rPr lang="en-US" altLang="zh-CN" sz="2000" dirty="0" smtClean="0"/>
-              <a:t>bounding </a:t>
-            </a:r>
-            <a:r>
-              <a:rPr lang="en-US" altLang="zh-CN" sz="2000" dirty="0"/>
-              <a:t>boxes and confidence scores for those boxes</a:t>
-            </a:r>
-          </a:p>
-          <a:p>
-            <a:pPr marL="457200" indent="-457200">
-              <a:buFont typeface="Arial" panose="020B0604020202020204" pitchFamily="34" charset="0"/>
-              <a:buChar char="•"/>
-            </a:pPr>
-            <a:r>
-              <a:rPr lang="en-US" altLang="zh-CN" sz="2000" dirty="0"/>
-              <a:t>Each grid also predicts </a:t>
-            </a:r>
-            <a:r>
-              <a:rPr lang="en-US" altLang="zh-CN" sz="2000" dirty="0" smtClean="0"/>
-              <a:t>conditional (conditioned </a:t>
-            </a:r>
-            <a:r>
-              <a:rPr lang="en-US" altLang="zh-CN" sz="2000" dirty="0"/>
-              <a:t>on the grid cell containing an object) class probabilities</a:t>
-            </a:r>
-            <a:endParaRPr lang="zh-CN" altLang="zh-CN" sz="2000" dirty="0"/>
+              <a:rPr lang="en-US" altLang="zh-CN" sz="2400" dirty="0"/>
+              <a:t>A neural network predicts bounding boxes and class probabilities directly from full images in one evaluation</a:t>
+            </a:r>
+            <a:endParaRPr lang="zh-CN" altLang="en-US" sz="2400" dirty="0"/>
           </a:p>
         </p:txBody>
       </p:sp>
       <p:pic>
         <p:nvPicPr>
-          <p:cNvPr id="9" name="Picture 6"/>
+          <p:cNvPr id="8" name="Picture 2"/>
           <p:cNvPicPr>
             <a:picLocks noChangeAspect="1" noChangeArrowheads="1"/>
           </p:cNvPicPr>
@@ -8666,8 +9295,8 @@
         </p:blipFill>
         <p:spPr bwMode="auto">
           <a:xfrm>
-            <a:off x="2410565" y="3681163"/>
-            <a:ext cx="4325664" cy="2770539"/>
+            <a:off x="928688" y="3218165"/>
+            <a:ext cx="7286625" cy="3019425"/>
           </a:xfrm>
           <a:prstGeom prst="rect">
             <a:avLst/>
@@ -8700,7 +9329,7 @@
     </p:spTree>
     <p:extLst>
       <p:ext uri="{BB962C8B-B14F-4D97-AF65-F5344CB8AC3E}">
-        <p14:creationId xmlns:p14="http://schemas.microsoft.com/office/powerpoint/2010/main" val="766221268"/>
+        <p14:creationId xmlns:p14="http://schemas.microsoft.com/office/powerpoint/2010/main" val="1299562727"/>
       </p:ext>
     </p:extLst>
   </p:cSld>
